--- a/Cyber/TCYSS相談窓口位置付け図3_20191224版.pptx
+++ b/Cyber/TCYSS相談窓口位置付け図3_20191224版.pptx
@@ -104,7 +104,84 @@
       </a:defRPr>
     </a:lvl9pPr>
   </p:defaultTextStyle>
+  <p:extLst>
+    <p:ext uri="{EFAFB233-063F-42B5-8137-9DF3F51BA10A}">
+      <p15:sldGuideLst xmlns:p15="http://schemas.microsoft.com/office/powerpoint/2012/main">
+        <p15:guide id="1" orient="horz" pos="2160">
+          <p15:clr>
+            <a:srgbClr val="A4A3A4"/>
+          </p15:clr>
+        </p15:guide>
+        <p15:guide id="2" pos="2880">
+          <p15:clr>
+            <a:srgbClr val="A4A3A4"/>
+          </p15:clr>
+        </p15:guide>
+      </p15:sldGuideLst>
+    </p:ext>
+  </p:extLst>
 </p:presentation>
+</file>
+
+<file path=ppt/changesInfos/changesInfo1.xml><?xml version="1.0" encoding="utf-8"?>
+<pc:chgInfo xmlns:a="http://schemas.openxmlformats.org/drawingml/2006/main" xmlns:r="http://schemas.openxmlformats.org/officeDocument/2006/relationships" xmlns:ac="http://schemas.microsoft.com/office/drawing/2013/main/command" xmlns:pc="http://schemas.microsoft.com/office/powerpoint/2013/main/command">
+  <pc:docChgLst>
+    <pc:chgData name="正樹" userId="7eabd57b-b900-4e86-8622-e94bcfa04d00" providerId="ADAL" clId="{34F62DEA-6EEC-4EF8-AFB0-06DF206788FB}"/>
+    <pc:docChg chg="custSel modSld">
+      <pc:chgData name="正樹" userId="7eabd57b-b900-4e86-8622-e94bcfa04d00" providerId="ADAL" clId="{34F62DEA-6EEC-4EF8-AFB0-06DF206788FB}" dt="2020-12-01T02:13:35.237" v="0" actId="478"/>
+      <pc:docMkLst>
+        <pc:docMk/>
+      </pc:docMkLst>
+      <pc:sldChg chg="delSp mod">
+        <pc:chgData name="正樹" userId="7eabd57b-b900-4e86-8622-e94bcfa04d00" providerId="ADAL" clId="{34F62DEA-6EEC-4EF8-AFB0-06DF206788FB}" dt="2020-12-01T02:13:35.237" v="0" actId="478"/>
+        <pc:sldMkLst>
+          <pc:docMk/>
+          <pc:sldMk cId="3696384039" sldId="257"/>
+        </pc:sldMkLst>
+        <pc:spChg chg="del">
+          <ac:chgData name="正樹" userId="7eabd57b-b900-4e86-8622-e94bcfa04d00" providerId="ADAL" clId="{34F62DEA-6EEC-4EF8-AFB0-06DF206788FB}" dt="2020-12-01T02:13:35.237" v="0" actId="478"/>
+          <ac:spMkLst>
+            <pc:docMk/>
+            <pc:sldMk cId="3696384039" sldId="257"/>
+            <ac:spMk id="32" creationId="{00000000-0000-0000-0000-000000000000}"/>
+          </ac:spMkLst>
+        </pc:spChg>
+        <pc:spChg chg="del">
+          <ac:chgData name="正樹" userId="7eabd57b-b900-4e86-8622-e94bcfa04d00" providerId="ADAL" clId="{34F62DEA-6EEC-4EF8-AFB0-06DF206788FB}" dt="2020-12-01T02:13:35.237" v="0" actId="478"/>
+          <ac:spMkLst>
+            <pc:docMk/>
+            <pc:sldMk cId="3696384039" sldId="257"/>
+            <ac:spMk id="51" creationId="{00000000-0000-0000-0000-000000000000}"/>
+          </ac:spMkLst>
+        </pc:spChg>
+        <pc:spChg chg="del">
+          <ac:chgData name="正樹" userId="7eabd57b-b900-4e86-8622-e94bcfa04d00" providerId="ADAL" clId="{34F62DEA-6EEC-4EF8-AFB0-06DF206788FB}" dt="2020-12-01T02:13:35.237" v="0" actId="478"/>
+          <ac:spMkLst>
+            <pc:docMk/>
+            <pc:sldMk cId="3696384039" sldId="257"/>
+            <ac:spMk id="60" creationId="{00000000-0000-0000-0000-000000000000}"/>
+          </ac:spMkLst>
+        </pc:spChg>
+        <pc:spChg chg="del">
+          <ac:chgData name="正樹" userId="7eabd57b-b900-4e86-8622-e94bcfa04d00" providerId="ADAL" clId="{34F62DEA-6EEC-4EF8-AFB0-06DF206788FB}" dt="2020-12-01T02:13:35.237" v="0" actId="478"/>
+          <ac:spMkLst>
+            <pc:docMk/>
+            <pc:sldMk cId="3696384039" sldId="257"/>
+            <ac:spMk id="91" creationId="{00000000-0000-0000-0000-000000000000}"/>
+          </ac:spMkLst>
+        </pc:spChg>
+        <pc:spChg chg="del">
+          <ac:chgData name="正樹" userId="7eabd57b-b900-4e86-8622-e94bcfa04d00" providerId="ADAL" clId="{34F62DEA-6EEC-4EF8-AFB0-06DF206788FB}" dt="2020-12-01T02:13:35.237" v="0" actId="478"/>
+          <ac:spMkLst>
+            <pc:docMk/>
+            <pc:sldMk cId="3696384039" sldId="257"/>
+            <ac:spMk id="97" creationId="{00000000-0000-0000-0000-000000000000}"/>
+          </ac:spMkLst>
+        </pc:spChg>
+      </pc:sldChg>
+    </pc:docChg>
+  </pc:docChgLst>
+</pc:chgInfo>
 </file>
 
 <file path=ppt/slideLayouts/slideLayout1.xml><?xml version="1.0" encoding="utf-8"?>
@@ -145,10 +222,9 @@
           <a:lstStyle/>
           <a:p>
             <a:r>
-              <a:rPr kumimoji="1" lang="ja-JP" altLang="en-US" smtClean="0"/>
+              <a:rPr kumimoji="1" lang="ja-JP" altLang="en-US"/>
               <a:t>マスター タイトルの書式設定</a:t>
             </a:r>
-            <a:endParaRPr kumimoji="1" lang="ja-JP" altLang="en-US"/>
           </a:p>
         </p:txBody>
       </p:sp>
@@ -264,10 +340,9 @@
           </a:lstStyle>
           <a:p>
             <a:r>
-              <a:rPr kumimoji="1" lang="ja-JP" altLang="en-US" smtClean="0"/>
+              <a:rPr kumimoji="1" lang="ja-JP" altLang="en-US"/>
               <a:t>マスター サブタイトルの書式設定</a:t>
             </a:r>
-            <a:endParaRPr kumimoji="1" lang="ja-JP" altLang="en-US"/>
           </a:p>
         </p:txBody>
       </p:sp>
@@ -288,7 +363,7 @@
           <a:p>
             <a:fld id="{27A0500E-217D-4B34-B646-20E6CFEB3D23}" type="datetimeFigureOut">
               <a:rPr kumimoji="1" lang="ja-JP" altLang="en-US" smtClean="0"/>
-              <a:t>2019/12/24</a:t>
+              <a:t>2020/12/1</a:t>
             </a:fld>
             <a:endParaRPr kumimoji="1" lang="ja-JP" altLang="en-US"/>
           </a:p>
@@ -382,10 +457,9 @@
           <a:lstStyle/>
           <a:p>
             <a:r>
-              <a:rPr kumimoji="1" lang="ja-JP" altLang="en-US" smtClean="0"/>
+              <a:rPr kumimoji="1" lang="ja-JP" altLang="en-US"/>
               <a:t>マスター タイトルの書式設定</a:t>
             </a:r>
-            <a:endParaRPr kumimoji="1" lang="ja-JP" altLang="en-US"/>
           </a:p>
         </p:txBody>
       </p:sp>
@@ -406,70 +480,69 @@
           <a:p>
             <a:pPr lvl="0"/>
             <a:r>
-              <a:rPr kumimoji="1" lang="ja-JP" altLang="en-US" smtClean="0"/>
+              <a:rPr kumimoji="1" lang="ja-JP" altLang="en-US"/>
               <a:t>マスター テキストの書式設定</a:t>
             </a:r>
           </a:p>
           <a:p>
             <a:pPr lvl="1"/>
             <a:r>
-              <a:rPr kumimoji="1" lang="ja-JP" altLang="en-US" smtClean="0"/>
+              <a:rPr kumimoji="1" lang="ja-JP" altLang="en-US"/>
               <a:t>第 </a:t>
             </a:r>
             <a:r>
-              <a:rPr kumimoji="1" lang="en-US" altLang="ja-JP" smtClean="0"/>
+              <a:rPr kumimoji="1" lang="en-US" altLang="ja-JP"/>
               <a:t>2 </a:t>
             </a:r>
             <a:r>
-              <a:rPr kumimoji="1" lang="ja-JP" altLang="en-US" smtClean="0"/>
+              <a:rPr kumimoji="1" lang="ja-JP" altLang="en-US"/>
               <a:t>レベル</a:t>
             </a:r>
           </a:p>
           <a:p>
             <a:pPr lvl="2"/>
             <a:r>
-              <a:rPr kumimoji="1" lang="ja-JP" altLang="en-US" smtClean="0"/>
+              <a:rPr kumimoji="1" lang="ja-JP" altLang="en-US"/>
               <a:t>第 </a:t>
             </a:r>
             <a:r>
-              <a:rPr kumimoji="1" lang="en-US" altLang="ja-JP" smtClean="0"/>
+              <a:rPr kumimoji="1" lang="en-US" altLang="ja-JP"/>
               <a:t>3 </a:t>
             </a:r>
             <a:r>
-              <a:rPr kumimoji="1" lang="ja-JP" altLang="en-US" smtClean="0"/>
+              <a:rPr kumimoji="1" lang="ja-JP" altLang="en-US"/>
               <a:t>レベル</a:t>
             </a:r>
           </a:p>
           <a:p>
             <a:pPr lvl="3"/>
             <a:r>
-              <a:rPr kumimoji="1" lang="ja-JP" altLang="en-US" smtClean="0"/>
+              <a:rPr kumimoji="1" lang="ja-JP" altLang="en-US"/>
               <a:t>第 </a:t>
             </a:r>
             <a:r>
-              <a:rPr kumimoji="1" lang="en-US" altLang="ja-JP" smtClean="0"/>
+              <a:rPr kumimoji="1" lang="en-US" altLang="ja-JP"/>
               <a:t>4 </a:t>
             </a:r>
             <a:r>
-              <a:rPr kumimoji="1" lang="ja-JP" altLang="en-US" smtClean="0"/>
+              <a:rPr kumimoji="1" lang="ja-JP" altLang="en-US"/>
               <a:t>レベル</a:t>
             </a:r>
           </a:p>
           <a:p>
             <a:pPr lvl="4"/>
             <a:r>
-              <a:rPr kumimoji="1" lang="ja-JP" altLang="en-US" smtClean="0"/>
+              <a:rPr kumimoji="1" lang="ja-JP" altLang="en-US"/>
               <a:t>第 </a:t>
             </a:r>
             <a:r>
-              <a:rPr kumimoji="1" lang="en-US" altLang="ja-JP" smtClean="0"/>
+              <a:rPr kumimoji="1" lang="en-US" altLang="ja-JP"/>
               <a:t>5 </a:t>
             </a:r>
             <a:r>
-              <a:rPr kumimoji="1" lang="ja-JP" altLang="en-US" smtClean="0"/>
+              <a:rPr kumimoji="1" lang="ja-JP" altLang="en-US"/>
               <a:t>レベル</a:t>
             </a:r>
-            <a:endParaRPr kumimoji="1" lang="ja-JP" altLang="en-US"/>
           </a:p>
         </p:txBody>
       </p:sp>
@@ -490,7 +563,7 @@
           <a:p>
             <a:fld id="{27A0500E-217D-4B34-B646-20E6CFEB3D23}" type="datetimeFigureOut">
               <a:rPr kumimoji="1" lang="ja-JP" altLang="en-US" smtClean="0"/>
-              <a:t>2019/12/24</a:t>
+              <a:t>2020/12/1</a:t>
             </a:fld>
             <a:endParaRPr kumimoji="1" lang="ja-JP" altLang="en-US"/>
           </a:p>
@@ -589,10 +662,9 @@
           <a:lstStyle/>
           <a:p>
             <a:r>
-              <a:rPr kumimoji="1" lang="ja-JP" altLang="en-US" smtClean="0"/>
+              <a:rPr kumimoji="1" lang="ja-JP" altLang="en-US"/>
               <a:t>マスター タイトルの書式設定</a:t>
             </a:r>
-            <a:endParaRPr kumimoji="1" lang="ja-JP" altLang="en-US"/>
           </a:p>
         </p:txBody>
       </p:sp>
@@ -618,70 +690,69 @@
           <a:p>
             <a:pPr lvl="0"/>
             <a:r>
-              <a:rPr kumimoji="1" lang="ja-JP" altLang="en-US" smtClean="0"/>
+              <a:rPr kumimoji="1" lang="ja-JP" altLang="en-US"/>
               <a:t>マスター テキストの書式設定</a:t>
             </a:r>
           </a:p>
           <a:p>
             <a:pPr lvl="1"/>
             <a:r>
-              <a:rPr kumimoji="1" lang="ja-JP" altLang="en-US" smtClean="0"/>
+              <a:rPr kumimoji="1" lang="ja-JP" altLang="en-US"/>
               <a:t>第 </a:t>
             </a:r>
             <a:r>
-              <a:rPr kumimoji="1" lang="en-US" altLang="ja-JP" smtClean="0"/>
+              <a:rPr kumimoji="1" lang="en-US" altLang="ja-JP"/>
               <a:t>2 </a:t>
             </a:r>
             <a:r>
-              <a:rPr kumimoji="1" lang="ja-JP" altLang="en-US" smtClean="0"/>
+              <a:rPr kumimoji="1" lang="ja-JP" altLang="en-US"/>
               <a:t>レベル</a:t>
             </a:r>
           </a:p>
           <a:p>
             <a:pPr lvl="2"/>
             <a:r>
-              <a:rPr kumimoji="1" lang="ja-JP" altLang="en-US" smtClean="0"/>
+              <a:rPr kumimoji="1" lang="ja-JP" altLang="en-US"/>
               <a:t>第 </a:t>
             </a:r>
             <a:r>
-              <a:rPr kumimoji="1" lang="en-US" altLang="ja-JP" smtClean="0"/>
+              <a:rPr kumimoji="1" lang="en-US" altLang="ja-JP"/>
               <a:t>3 </a:t>
             </a:r>
             <a:r>
-              <a:rPr kumimoji="1" lang="ja-JP" altLang="en-US" smtClean="0"/>
+              <a:rPr kumimoji="1" lang="ja-JP" altLang="en-US"/>
               <a:t>レベル</a:t>
             </a:r>
           </a:p>
           <a:p>
             <a:pPr lvl="3"/>
             <a:r>
-              <a:rPr kumimoji="1" lang="ja-JP" altLang="en-US" smtClean="0"/>
+              <a:rPr kumimoji="1" lang="ja-JP" altLang="en-US"/>
               <a:t>第 </a:t>
             </a:r>
             <a:r>
-              <a:rPr kumimoji="1" lang="en-US" altLang="ja-JP" smtClean="0"/>
+              <a:rPr kumimoji="1" lang="en-US" altLang="ja-JP"/>
               <a:t>4 </a:t>
             </a:r>
             <a:r>
-              <a:rPr kumimoji="1" lang="ja-JP" altLang="en-US" smtClean="0"/>
+              <a:rPr kumimoji="1" lang="ja-JP" altLang="en-US"/>
               <a:t>レベル</a:t>
             </a:r>
           </a:p>
           <a:p>
             <a:pPr lvl="4"/>
             <a:r>
-              <a:rPr kumimoji="1" lang="ja-JP" altLang="en-US" smtClean="0"/>
+              <a:rPr kumimoji="1" lang="ja-JP" altLang="en-US"/>
               <a:t>第 </a:t>
             </a:r>
             <a:r>
-              <a:rPr kumimoji="1" lang="en-US" altLang="ja-JP" smtClean="0"/>
+              <a:rPr kumimoji="1" lang="en-US" altLang="ja-JP"/>
               <a:t>5 </a:t>
             </a:r>
             <a:r>
-              <a:rPr kumimoji="1" lang="ja-JP" altLang="en-US" smtClean="0"/>
+              <a:rPr kumimoji="1" lang="ja-JP" altLang="en-US"/>
               <a:t>レベル</a:t>
             </a:r>
-            <a:endParaRPr kumimoji="1" lang="ja-JP" altLang="en-US"/>
           </a:p>
         </p:txBody>
       </p:sp>
@@ -702,7 +773,7 @@
           <a:p>
             <a:fld id="{27A0500E-217D-4B34-B646-20E6CFEB3D23}" type="datetimeFigureOut">
               <a:rPr kumimoji="1" lang="ja-JP" altLang="en-US" smtClean="0"/>
-              <a:t>2019/12/24</a:t>
+              <a:t>2020/12/1</a:t>
             </a:fld>
             <a:endParaRPr kumimoji="1" lang="ja-JP" altLang="en-US"/>
           </a:p>
@@ -796,10 +867,9 @@
           <a:lstStyle/>
           <a:p>
             <a:r>
-              <a:rPr kumimoji="1" lang="ja-JP" altLang="en-US" smtClean="0"/>
+              <a:rPr kumimoji="1" lang="ja-JP" altLang="en-US"/>
               <a:t>マスター タイトルの書式設定</a:t>
             </a:r>
-            <a:endParaRPr kumimoji="1" lang="ja-JP" altLang="en-US"/>
           </a:p>
         </p:txBody>
       </p:sp>
@@ -820,70 +890,69 @@
           <a:p>
             <a:pPr lvl="0"/>
             <a:r>
-              <a:rPr kumimoji="1" lang="ja-JP" altLang="en-US" smtClean="0"/>
+              <a:rPr kumimoji="1" lang="ja-JP" altLang="en-US"/>
               <a:t>マスター テキストの書式設定</a:t>
             </a:r>
           </a:p>
           <a:p>
             <a:pPr lvl="1"/>
             <a:r>
-              <a:rPr kumimoji="1" lang="ja-JP" altLang="en-US" smtClean="0"/>
+              <a:rPr kumimoji="1" lang="ja-JP" altLang="en-US"/>
               <a:t>第 </a:t>
             </a:r>
             <a:r>
-              <a:rPr kumimoji="1" lang="en-US" altLang="ja-JP" smtClean="0"/>
+              <a:rPr kumimoji="1" lang="en-US" altLang="ja-JP"/>
               <a:t>2 </a:t>
             </a:r>
             <a:r>
-              <a:rPr kumimoji="1" lang="ja-JP" altLang="en-US" smtClean="0"/>
+              <a:rPr kumimoji="1" lang="ja-JP" altLang="en-US"/>
               <a:t>レベル</a:t>
             </a:r>
           </a:p>
           <a:p>
             <a:pPr lvl="2"/>
             <a:r>
-              <a:rPr kumimoji="1" lang="ja-JP" altLang="en-US" smtClean="0"/>
+              <a:rPr kumimoji="1" lang="ja-JP" altLang="en-US"/>
               <a:t>第 </a:t>
             </a:r>
             <a:r>
-              <a:rPr kumimoji="1" lang="en-US" altLang="ja-JP" smtClean="0"/>
+              <a:rPr kumimoji="1" lang="en-US" altLang="ja-JP"/>
               <a:t>3 </a:t>
             </a:r>
             <a:r>
-              <a:rPr kumimoji="1" lang="ja-JP" altLang="en-US" smtClean="0"/>
+              <a:rPr kumimoji="1" lang="ja-JP" altLang="en-US"/>
               <a:t>レベル</a:t>
             </a:r>
           </a:p>
           <a:p>
             <a:pPr lvl="3"/>
             <a:r>
-              <a:rPr kumimoji="1" lang="ja-JP" altLang="en-US" smtClean="0"/>
+              <a:rPr kumimoji="1" lang="ja-JP" altLang="en-US"/>
               <a:t>第 </a:t>
             </a:r>
             <a:r>
-              <a:rPr kumimoji="1" lang="en-US" altLang="ja-JP" smtClean="0"/>
+              <a:rPr kumimoji="1" lang="en-US" altLang="ja-JP"/>
               <a:t>4 </a:t>
             </a:r>
             <a:r>
-              <a:rPr kumimoji="1" lang="ja-JP" altLang="en-US" smtClean="0"/>
+              <a:rPr kumimoji="1" lang="ja-JP" altLang="en-US"/>
               <a:t>レベル</a:t>
             </a:r>
           </a:p>
           <a:p>
             <a:pPr lvl="4"/>
             <a:r>
-              <a:rPr kumimoji="1" lang="ja-JP" altLang="en-US" smtClean="0"/>
+              <a:rPr kumimoji="1" lang="ja-JP" altLang="en-US"/>
               <a:t>第 </a:t>
             </a:r>
             <a:r>
-              <a:rPr kumimoji="1" lang="en-US" altLang="ja-JP" smtClean="0"/>
+              <a:rPr kumimoji="1" lang="en-US" altLang="ja-JP"/>
               <a:t>5 </a:t>
             </a:r>
             <a:r>
-              <a:rPr kumimoji="1" lang="ja-JP" altLang="en-US" smtClean="0"/>
+              <a:rPr kumimoji="1" lang="ja-JP" altLang="en-US"/>
               <a:t>レベル</a:t>
             </a:r>
-            <a:endParaRPr kumimoji="1" lang="ja-JP" altLang="en-US"/>
           </a:p>
         </p:txBody>
       </p:sp>
@@ -904,7 +973,7 @@
           <a:p>
             <a:fld id="{27A0500E-217D-4B34-B646-20E6CFEB3D23}" type="datetimeFigureOut">
               <a:rPr kumimoji="1" lang="ja-JP" altLang="en-US" smtClean="0"/>
-              <a:t>2019/12/24</a:t>
+              <a:t>2020/12/1</a:t>
             </a:fld>
             <a:endParaRPr kumimoji="1" lang="ja-JP" altLang="en-US"/>
           </a:p>
@@ -1007,10 +1076,9 @@
           </a:lstStyle>
           <a:p>
             <a:r>
-              <a:rPr kumimoji="1" lang="ja-JP" altLang="en-US" smtClean="0"/>
+              <a:rPr kumimoji="1" lang="ja-JP" altLang="en-US"/>
               <a:t>マスター タイトルの書式設定</a:t>
             </a:r>
-            <a:endParaRPr kumimoji="1" lang="ja-JP" altLang="en-US"/>
           </a:p>
         </p:txBody>
       </p:sp>
@@ -1127,7 +1195,7 @@
           <a:p>
             <a:pPr lvl="0"/>
             <a:r>
-              <a:rPr kumimoji="1" lang="ja-JP" altLang="en-US" smtClean="0"/>
+              <a:rPr kumimoji="1" lang="ja-JP" altLang="en-US"/>
               <a:t>マスター テキストの書式設定</a:t>
             </a:r>
           </a:p>
@@ -1150,7 +1218,7 @@
           <a:p>
             <a:fld id="{27A0500E-217D-4B34-B646-20E6CFEB3D23}" type="datetimeFigureOut">
               <a:rPr kumimoji="1" lang="ja-JP" altLang="en-US" smtClean="0"/>
-              <a:t>2019/12/24</a:t>
+              <a:t>2020/12/1</a:t>
             </a:fld>
             <a:endParaRPr kumimoji="1" lang="ja-JP" altLang="en-US"/>
           </a:p>
@@ -1244,10 +1312,9 @@
           <a:lstStyle/>
           <a:p>
             <a:r>
-              <a:rPr kumimoji="1" lang="ja-JP" altLang="en-US" smtClean="0"/>
+              <a:rPr kumimoji="1" lang="ja-JP" altLang="en-US"/>
               <a:t>マスター タイトルの書式設定</a:t>
             </a:r>
-            <a:endParaRPr kumimoji="1" lang="ja-JP" altLang="en-US"/>
           </a:p>
         </p:txBody>
       </p:sp>
@@ -1301,70 +1368,69 @@
           <a:p>
             <a:pPr lvl="0"/>
             <a:r>
-              <a:rPr kumimoji="1" lang="ja-JP" altLang="en-US" smtClean="0"/>
+              <a:rPr kumimoji="1" lang="ja-JP" altLang="en-US"/>
               <a:t>マスター テキストの書式設定</a:t>
             </a:r>
           </a:p>
           <a:p>
             <a:pPr lvl="1"/>
             <a:r>
-              <a:rPr kumimoji="1" lang="ja-JP" altLang="en-US" smtClean="0"/>
+              <a:rPr kumimoji="1" lang="ja-JP" altLang="en-US"/>
               <a:t>第 </a:t>
             </a:r>
             <a:r>
-              <a:rPr kumimoji="1" lang="en-US" altLang="ja-JP" smtClean="0"/>
+              <a:rPr kumimoji="1" lang="en-US" altLang="ja-JP"/>
               <a:t>2 </a:t>
             </a:r>
             <a:r>
-              <a:rPr kumimoji="1" lang="ja-JP" altLang="en-US" smtClean="0"/>
+              <a:rPr kumimoji="1" lang="ja-JP" altLang="en-US"/>
               <a:t>レベル</a:t>
             </a:r>
           </a:p>
           <a:p>
             <a:pPr lvl="2"/>
             <a:r>
-              <a:rPr kumimoji="1" lang="ja-JP" altLang="en-US" smtClean="0"/>
+              <a:rPr kumimoji="1" lang="ja-JP" altLang="en-US"/>
               <a:t>第 </a:t>
             </a:r>
             <a:r>
-              <a:rPr kumimoji="1" lang="en-US" altLang="ja-JP" smtClean="0"/>
+              <a:rPr kumimoji="1" lang="en-US" altLang="ja-JP"/>
               <a:t>3 </a:t>
             </a:r>
             <a:r>
-              <a:rPr kumimoji="1" lang="ja-JP" altLang="en-US" smtClean="0"/>
+              <a:rPr kumimoji="1" lang="ja-JP" altLang="en-US"/>
               <a:t>レベル</a:t>
             </a:r>
           </a:p>
           <a:p>
             <a:pPr lvl="3"/>
             <a:r>
-              <a:rPr kumimoji="1" lang="ja-JP" altLang="en-US" smtClean="0"/>
+              <a:rPr kumimoji="1" lang="ja-JP" altLang="en-US"/>
               <a:t>第 </a:t>
             </a:r>
             <a:r>
-              <a:rPr kumimoji="1" lang="en-US" altLang="ja-JP" smtClean="0"/>
+              <a:rPr kumimoji="1" lang="en-US" altLang="ja-JP"/>
               <a:t>4 </a:t>
             </a:r>
             <a:r>
-              <a:rPr kumimoji="1" lang="ja-JP" altLang="en-US" smtClean="0"/>
+              <a:rPr kumimoji="1" lang="ja-JP" altLang="en-US"/>
               <a:t>レベル</a:t>
             </a:r>
           </a:p>
           <a:p>
             <a:pPr lvl="4"/>
             <a:r>
-              <a:rPr kumimoji="1" lang="ja-JP" altLang="en-US" smtClean="0"/>
+              <a:rPr kumimoji="1" lang="ja-JP" altLang="en-US"/>
               <a:t>第 </a:t>
             </a:r>
             <a:r>
-              <a:rPr kumimoji="1" lang="en-US" altLang="ja-JP" smtClean="0"/>
+              <a:rPr kumimoji="1" lang="en-US" altLang="ja-JP"/>
               <a:t>5 </a:t>
             </a:r>
             <a:r>
-              <a:rPr kumimoji="1" lang="ja-JP" altLang="en-US" smtClean="0"/>
+              <a:rPr kumimoji="1" lang="ja-JP" altLang="en-US"/>
               <a:t>レベル</a:t>
             </a:r>
-            <a:endParaRPr kumimoji="1" lang="ja-JP" altLang="en-US"/>
           </a:p>
         </p:txBody>
       </p:sp>
@@ -1418,70 +1484,69 @@
           <a:p>
             <a:pPr lvl="0"/>
             <a:r>
-              <a:rPr kumimoji="1" lang="ja-JP" altLang="en-US" smtClean="0"/>
+              <a:rPr kumimoji="1" lang="ja-JP" altLang="en-US"/>
               <a:t>マスター テキストの書式設定</a:t>
             </a:r>
           </a:p>
           <a:p>
             <a:pPr lvl="1"/>
             <a:r>
-              <a:rPr kumimoji="1" lang="ja-JP" altLang="en-US" smtClean="0"/>
+              <a:rPr kumimoji="1" lang="ja-JP" altLang="en-US"/>
               <a:t>第 </a:t>
             </a:r>
             <a:r>
-              <a:rPr kumimoji="1" lang="en-US" altLang="ja-JP" smtClean="0"/>
+              <a:rPr kumimoji="1" lang="en-US" altLang="ja-JP"/>
               <a:t>2 </a:t>
             </a:r>
             <a:r>
-              <a:rPr kumimoji="1" lang="ja-JP" altLang="en-US" smtClean="0"/>
+              <a:rPr kumimoji="1" lang="ja-JP" altLang="en-US"/>
               <a:t>レベル</a:t>
             </a:r>
           </a:p>
           <a:p>
             <a:pPr lvl="2"/>
             <a:r>
-              <a:rPr kumimoji="1" lang="ja-JP" altLang="en-US" smtClean="0"/>
+              <a:rPr kumimoji="1" lang="ja-JP" altLang="en-US"/>
               <a:t>第 </a:t>
             </a:r>
             <a:r>
-              <a:rPr kumimoji="1" lang="en-US" altLang="ja-JP" smtClean="0"/>
+              <a:rPr kumimoji="1" lang="en-US" altLang="ja-JP"/>
               <a:t>3 </a:t>
             </a:r>
             <a:r>
-              <a:rPr kumimoji="1" lang="ja-JP" altLang="en-US" smtClean="0"/>
+              <a:rPr kumimoji="1" lang="ja-JP" altLang="en-US"/>
               <a:t>レベル</a:t>
             </a:r>
           </a:p>
           <a:p>
             <a:pPr lvl="3"/>
             <a:r>
-              <a:rPr kumimoji="1" lang="ja-JP" altLang="en-US" smtClean="0"/>
+              <a:rPr kumimoji="1" lang="ja-JP" altLang="en-US"/>
               <a:t>第 </a:t>
             </a:r>
             <a:r>
-              <a:rPr kumimoji="1" lang="en-US" altLang="ja-JP" smtClean="0"/>
+              <a:rPr kumimoji="1" lang="en-US" altLang="ja-JP"/>
               <a:t>4 </a:t>
             </a:r>
             <a:r>
-              <a:rPr kumimoji="1" lang="ja-JP" altLang="en-US" smtClean="0"/>
+              <a:rPr kumimoji="1" lang="ja-JP" altLang="en-US"/>
               <a:t>レベル</a:t>
             </a:r>
           </a:p>
           <a:p>
             <a:pPr lvl="4"/>
             <a:r>
-              <a:rPr kumimoji="1" lang="ja-JP" altLang="en-US" smtClean="0"/>
+              <a:rPr kumimoji="1" lang="ja-JP" altLang="en-US"/>
               <a:t>第 </a:t>
             </a:r>
             <a:r>
-              <a:rPr kumimoji="1" lang="en-US" altLang="ja-JP" smtClean="0"/>
+              <a:rPr kumimoji="1" lang="en-US" altLang="ja-JP"/>
               <a:t>5 </a:t>
             </a:r>
             <a:r>
-              <a:rPr kumimoji="1" lang="ja-JP" altLang="en-US" smtClean="0"/>
+              <a:rPr kumimoji="1" lang="ja-JP" altLang="en-US"/>
               <a:t>レベル</a:t>
             </a:r>
-            <a:endParaRPr kumimoji="1" lang="ja-JP" altLang="en-US"/>
           </a:p>
         </p:txBody>
       </p:sp>
@@ -1502,7 +1567,7 @@
           <a:p>
             <a:fld id="{27A0500E-217D-4B34-B646-20E6CFEB3D23}" type="datetimeFigureOut">
               <a:rPr kumimoji="1" lang="ja-JP" altLang="en-US" smtClean="0"/>
-              <a:t>2019/12/24</a:t>
+              <a:t>2020/12/1</a:t>
             </a:fld>
             <a:endParaRPr kumimoji="1" lang="ja-JP" altLang="en-US"/>
           </a:p>
@@ -1600,10 +1665,9 @@
           </a:lstStyle>
           <a:p>
             <a:r>
-              <a:rPr kumimoji="1" lang="ja-JP" altLang="en-US" smtClean="0"/>
+              <a:rPr kumimoji="1" lang="ja-JP" altLang="en-US"/>
               <a:t>マスター タイトルの書式設定</a:t>
             </a:r>
-            <a:endParaRPr kumimoji="1" lang="ja-JP" altLang="en-US"/>
           </a:p>
         </p:txBody>
       </p:sp>
@@ -1666,7 +1730,7 @@
           <a:p>
             <a:pPr lvl="0"/>
             <a:r>
-              <a:rPr kumimoji="1" lang="ja-JP" altLang="en-US" smtClean="0"/>
+              <a:rPr kumimoji="1" lang="ja-JP" altLang="en-US"/>
               <a:t>マスター テキストの書式設定</a:t>
             </a:r>
           </a:p>
@@ -1722,70 +1786,69 @@
           <a:p>
             <a:pPr lvl="0"/>
             <a:r>
-              <a:rPr kumimoji="1" lang="ja-JP" altLang="en-US" smtClean="0"/>
+              <a:rPr kumimoji="1" lang="ja-JP" altLang="en-US"/>
               <a:t>マスター テキストの書式設定</a:t>
             </a:r>
           </a:p>
           <a:p>
             <a:pPr lvl="1"/>
             <a:r>
-              <a:rPr kumimoji="1" lang="ja-JP" altLang="en-US" smtClean="0"/>
+              <a:rPr kumimoji="1" lang="ja-JP" altLang="en-US"/>
               <a:t>第 </a:t>
             </a:r>
             <a:r>
-              <a:rPr kumimoji="1" lang="en-US" altLang="ja-JP" smtClean="0"/>
+              <a:rPr kumimoji="1" lang="en-US" altLang="ja-JP"/>
               <a:t>2 </a:t>
             </a:r>
             <a:r>
-              <a:rPr kumimoji="1" lang="ja-JP" altLang="en-US" smtClean="0"/>
+              <a:rPr kumimoji="1" lang="ja-JP" altLang="en-US"/>
               <a:t>レベル</a:t>
             </a:r>
           </a:p>
           <a:p>
             <a:pPr lvl="2"/>
             <a:r>
-              <a:rPr kumimoji="1" lang="ja-JP" altLang="en-US" smtClean="0"/>
+              <a:rPr kumimoji="1" lang="ja-JP" altLang="en-US"/>
               <a:t>第 </a:t>
             </a:r>
             <a:r>
-              <a:rPr kumimoji="1" lang="en-US" altLang="ja-JP" smtClean="0"/>
+              <a:rPr kumimoji="1" lang="en-US" altLang="ja-JP"/>
               <a:t>3 </a:t>
             </a:r>
             <a:r>
-              <a:rPr kumimoji="1" lang="ja-JP" altLang="en-US" smtClean="0"/>
+              <a:rPr kumimoji="1" lang="ja-JP" altLang="en-US"/>
               <a:t>レベル</a:t>
             </a:r>
           </a:p>
           <a:p>
             <a:pPr lvl="3"/>
             <a:r>
-              <a:rPr kumimoji="1" lang="ja-JP" altLang="en-US" smtClean="0"/>
+              <a:rPr kumimoji="1" lang="ja-JP" altLang="en-US"/>
               <a:t>第 </a:t>
             </a:r>
             <a:r>
-              <a:rPr kumimoji="1" lang="en-US" altLang="ja-JP" smtClean="0"/>
+              <a:rPr kumimoji="1" lang="en-US" altLang="ja-JP"/>
               <a:t>4 </a:t>
             </a:r>
             <a:r>
-              <a:rPr kumimoji="1" lang="ja-JP" altLang="en-US" smtClean="0"/>
+              <a:rPr kumimoji="1" lang="ja-JP" altLang="en-US"/>
               <a:t>レベル</a:t>
             </a:r>
           </a:p>
           <a:p>
             <a:pPr lvl="4"/>
             <a:r>
-              <a:rPr kumimoji="1" lang="ja-JP" altLang="en-US" smtClean="0"/>
+              <a:rPr kumimoji="1" lang="ja-JP" altLang="en-US"/>
               <a:t>第 </a:t>
             </a:r>
             <a:r>
-              <a:rPr kumimoji="1" lang="en-US" altLang="ja-JP" smtClean="0"/>
+              <a:rPr kumimoji="1" lang="en-US" altLang="ja-JP"/>
               <a:t>5 </a:t>
             </a:r>
             <a:r>
-              <a:rPr kumimoji="1" lang="ja-JP" altLang="en-US" smtClean="0"/>
+              <a:rPr kumimoji="1" lang="ja-JP" altLang="en-US"/>
               <a:t>レベル</a:t>
             </a:r>
-            <a:endParaRPr kumimoji="1" lang="ja-JP" altLang="en-US"/>
           </a:p>
         </p:txBody>
       </p:sp>
@@ -1848,7 +1911,7 @@
           <a:p>
             <a:pPr lvl="0"/>
             <a:r>
-              <a:rPr kumimoji="1" lang="ja-JP" altLang="en-US" smtClean="0"/>
+              <a:rPr kumimoji="1" lang="ja-JP" altLang="en-US"/>
               <a:t>マスター テキストの書式設定</a:t>
             </a:r>
           </a:p>
@@ -1904,70 +1967,69 @@
           <a:p>
             <a:pPr lvl="0"/>
             <a:r>
-              <a:rPr kumimoji="1" lang="ja-JP" altLang="en-US" smtClean="0"/>
+              <a:rPr kumimoji="1" lang="ja-JP" altLang="en-US"/>
               <a:t>マスター テキストの書式設定</a:t>
             </a:r>
           </a:p>
           <a:p>
             <a:pPr lvl="1"/>
             <a:r>
-              <a:rPr kumimoji="1" lang="ja-JP" altLang="en-US" smtClean="0"/>
+              <a:rPr kumimoji="1" lang="ja-JP" altLang="en-US"/>
               <a:t>第 </a:t>
             </a:r>
             <a:r>
-              <a:rPr kumimoji="1" lang="en-US" altLang="ja-JP" smtClean="0"/>
+              <a:rPr kumimoji="1" lang="en-US" altLang="ja-JP"/>
               <a:t>2 </a:t>
             </a:r>
             <a:r>
-              <a:rPr kumimoji="1" lang="ja-JP" altLang="en-US" smtClean="0"/>
+              <a:rPr kumimoji="1" lang="ja-JP" altLang="en-US"/>
               <a:t>レベル</a:t>
             </a:r>
           </a:p>
           <a:p>
             <a:pPr lvl="2"/>
             <a:r>
-              <a:rPr kumimoji="1" lang="ja-JP" altLang="en-US" smtClean="0"/>
+              <a:rPr kumimoji="1" lang="ja-JP" altLang="en-US"/>
               <a:t>第 </a:t>
             </a:r>
             <a:r>
-              <a:rPr kumimoji="1" lang="en-US" altLang="ja-JP" smtClean="0"/>
+              <a:rPr kumimoji="1" lang="en-US" altLang="ja-JP"/>
               <a:t>3 </a:t>
             </a:r>
             <a:r>
-              <a:rPr kumimoji="1" lang="ja-JP" altLang="en-US" smtClean="0"/>
+              <a:rPr kumimoji="1" lang="ja-JP" altLang="en-US"/>
               <a:t>レベル</a:t>
             </a:r>
           </a:p>
           <a:p>
             <a:pPr lvl="3"/>
             <a:r>
-              <a:rPr kumimoji="1" lang="ja-JP" altLang="en-US" smtClean="0"/>
+              <a:rPr kumimoji="1" lang="ja-JP" altLang="en-US"/>
               <a:t>第 </a:t>
             </a:r>
             <a:r>
-              <a:rPr kumimoji="1" lang="en-US" altLang="ja-JP" smtClean="0"/>
+              <a:rPr kumimoji="1" lang="en-US" altLang="ja-JP"/>
               <a:t>4 </a:t>
             </a:r>
             <a:r>
-              <a:rPr kumimoji="1" lang="ja-JP" altLang="en-US" smtClean="0"/>
+              <a:rPr kumimoji="1" lang="ja-JP" altLang="en-US"/>
               <a:t>レベル</a:t>
             </a:r>
           </a:p>
           <a:p>
             <a:pPr lvl="4"/>
             <a:r>
-              <a:rPr kumimoji="1" lang="ja-JP" altLang="en-US" smtClean="0"/>
+              <a:rPr kumimoji="1" lang="ja-JP" altLang="en-US"/>
               <a:t>第 </a:t>
             </a:r>
             <a:r>
-              <a:rPr kumimoji="1" lang="en-US" altLang="ja-JP" smtClean="0"/>
+              <a:rPr kumimoji="1" lang="en-US" altLang="ja-JP"/>
               <a:t>5 </a:t>
             </a:r>
             <a:r>
-              <a:rPr kumimoji="1" lang="ja-JP" altLang="en-US" smtClean="0"/>
+              <a:rPr kumimoji="1" lang="ja-JP" altLang="en-US"/>
               <a:t>レベル</a:t>
             </a:r>
-            <a:endParaRPr kumimoji="1" lang="ja-JP" altLang="en-US"/>
           </a:p>
         </p:txBody>
       </p:sp>
@@ -1988,7 +2050,7 @@
           <a:p>
             <a:fld id="{27A0500E-217D-4B34-B646-20E6CFEB3D23}" type="datetimeFigureOut">
               <a:rPr kumimoji="1" lang="ja-JP" altLang="en-US" smtClean="0"/>
-              <a:t>2019/12/24</a:t>
+              <a:t>2020/12/1</a:t>
             </a:fld>
             <a:endParaRPr kumimoji="1" lang="ja-JP" altLang="en-US"/>
           </a:p>
@@ -2082,10 +2144,9 @@
           <a:lstStyle/>
           <a:p>
             <a:r>
-              <a:rPr kumimoji="1" lang="ja-JP" altLang="en-US" smtClean="0"/>
+              <a:rPr kumimoji="1" lang="ja-JP" altLang="en-US"/>
               <a:t>マスター タイトルの書式設定</a:t>
             </a:r>
-            <a:endParaRPr kumimoji="1" lang="ja-JP" altLang="en-US"/>
           </a:p>
         </p:txBody>
       </p:sp>
@@ -2106,7 +2167,7 @@
           <a:p>
             <a:fld id="{27A0500E-217D-4B34-B646-20E6CFEB3D23}" type="datetimeFigureOut">
               <a:rPr kumimoji="1" lang="ja-JP" altLang="en-US" smtClean="0"/>
-              <a:t>2019/12/24</a:t>
+              <a:t>2020/12/1</a:t>
             </a:fld>
             <a:endParaRPr kumimoji="1" lang="ja-JP" altLang="en-US"/>
           </a:p>
@@ -2201,7 +2262,7 @@
           <a:p>
             <a:fld id="{27A0500E-217D-4B34-B646-20E6CFEB3D23}" type="datetimeFigureOut">
               <a:rPr kumimoji="1" lang="ja-JP" altLang="en-US" smtClean="0"/>
-              <a:t>2019/12/24</a:t>
+              <a:t>2020/12/1</a:t>
             </a:fld>
             <a:endParaRPr kumimoji="1" lang="ja-JP" altLang="en-US"/>
           </a:p>
@@ -2304,10 +2365,9 @@
           </a:lstStyle>
           <a:p>
             <a:r>
-              <a:rPr kumimoji="1" lang="ja-JP" altLang="en-US" smtClean="0"/>
+              <a:rPr kumimoji="1" lang="ja-JP" altLang="en-US"/>
               <a:t>マスター タイトルの書式設定</a:t>
             </a:r>
-            <a:endParaRPr kumimoji="1" lang="ja-JP" altLang="en-US"/>
           </a:p>
         </p:txBody>
       </p:sp>
@@ -2361,70 +2421,69 @@
           <a:p>
             <a:pPr lvl="0"/>
             <a:r>
-              <a:rPr kumimoji="1" lang="ja-JP" altLang="en-US" smtClean="0"/>
+              <a:rPr kumimoji="1" lang="ja-JP" altLang="en-US"/>
               <a:t>マスター テキストの書式設定</a:t>
             </a:r>
           </a:p>
           <a:p>
             <a:pPr lvl="1"/>
             <a:r>
-              <a:rPr kumimoji="1" lang="ja-JP" altLang="en-US" smtClean="0"/>
+              <a:rPr kumimoji="1" lang="ja-JP" altLang="en-US"/>
               <a:t>第 </a:t>
             </a:r>
             <a:r>
-              <a:rPr kumimoji="1" lang="en-US" altLang="ja-JP" smtClean="0"/>
+              <a:rPr kumimoji="1" lang="en-US" altLang="ja-JP"/>
               <a:t>2 </a:t>
             </a:r>
             <a:r>
-              <a:rPr kumimoji="1" lang="ja-JP" altLang="en-US" smtClean="0"/>
+              <a:rPr kumimoji="1" lang="ja-JP" altLang="en-US"/>
               <a:t>レベル</a:t>
             </a:r>
           </a:p>
           <a:p>
             <a:pPr lvl="2"/>
             <a:r>
-              <a:rPr kumimoji="1" lang="ja-JP" altLang="en-US" smtClean="0"/>
+              <a:rPr kumimoji="1" lang="ja-JP" altLang="en-US"/>
               <a:t>第 </a:t>
             </a:r>
             <a:r>
-              <a:rPr kumimoji="1" lang="en-US" altLang="ja-JP" smtClean="0"/>
+              <a:rPr kumimoji="1" lang="en-US" altLang="ja-JP"/>
               <a:t>3 </a:t>
             </a:r>
             <a:r>
-              <a:rPr kumimoji="1" lang="ja-JP" altLang="en-US" smtClean="0"/>
+              <a:rPr kumimoji="1" lang="ja-JP" altLang="en-US"/>
               <a:t>レベル</a:t>
             </a:r>
           </a:p>
           <a:p>
             <a:pPr lvl="3"/>
             <a:r>
-              <a:rPr kumimoji="1" lang="ja-JP" altLang="en-US" smtClean="0"/>
+              <a:rPr kumimoji="1" lang="ja-JP" altLang="en-US"/>
               <a:t>第 </a:t>
             </a:r>
             <a:r>
-              <a:rPr kumimoji="1" lang="en-US" altLang="ja-JP" smtClean="0"/>
+              <a:rPr kumimoji="1" lang="en-US" altLang="ja-JP"/>
               <a:t>4 </a:t>
             </a:r>
             <a:r>
-              <a:rPr kumimoji="1" lang="ja-JP" altLang="en-US" smtClean="0"/>
+              <a:rPr kumimoji="1" lang="ja-JP" altLang="en-US"/>
               <a:t>レベル</a:t>
             </a:r>
           </a:p>
           <a:p>
             <a:pPr lvl="4"/>
             <a:r>
-              <a:rPr kumimoji="1" lang="ja-JP" altLang="en-US" smtClean="0"/>
+              <a:rPr kumimoji="1" lang="ja-JP" altLang="en-US"/>
               <a:t>第 </a:t>
             </a:r>
             <a:r>
-              <a:rPr kumimoji="1" lang="en-US" altLang="ja-JP" smtClean="0"/>
+              <a:rPr kumimoji="1" lang="en-US" altLang="ja-JP"/>
               <a:t>5 </a:t>
             </a:r>
             <a:r>
-              <a:rPr kumimoji="1" lang="ja-JP" altLang="en-US" smtClean="0"/>
+              <a:rPr kumimoji="1" lang="ja-JP" altLang="en-US"/>
               <a:t>レベル</a:t>
             </a:r>
-            <a:endParaRPr kumimoji="1" lang="ja-JP" altLang="en-US"/>
           </a:p>
         </p:txBody>
       </p:sp>
@@ -2487,7 +2546,7 @@
           <a:p>
             <a:pPr lvl="0"/>
             <a:r>
-              <a:rPr kumimoji="1" lang="ja-JP" altLang="en-US" smtClean="0"/>
+              <a:rPr kumimoji="1" lang="ja-JP" altLang="en-US"/>
               <a:t>マスター テキストの書式設定</a:t>
             </a:r>
           </a:p>
@@ -2510,7 +2569,7 @@
           <a:p>
             <a:fld id="{27A0500E-217D-4B34-B646-20E6CFEB3D23}" type="datetimeFigureOut">
               <a:rPr kumimoji="1" lang="ja-JP" altLang="en-US" smtClean="0"/>
-              <a:t>2019/12/24</a:t>
+              <a:t>2020/12/1</a:t>
             </a:fld>
             <a:endParaRPr kumimoji="1" lang="ja-JP" altLang="en-US"/>
           </a:p>
@@ -2613,10 +2672,9 @@
           </a:lstStyle>
           <a:p>
             <a:r>
-              <a:rPr kumimoji="1" lang="ja-JP" altLang="en-US" smtClean="0"/>
+              <a:rPr kumimoji="1" lang="ja-JP" altLang="en-US"/>
               <a:t>マスター タイトルの書式設定</a:t>
             </a:r>
-            <a:endParaRPr kumimoji="1" lang="ja-JP" altLang="en-US"/>
           </a:p>
         </p:txBody>
       </p:sp>
@@ -2740,7 +2798,7 @@
           <a:p>
             <a:pPr lvl="0"/>
             <a:r>
-              <a:rPr kumimoji="1" lang="ja-JP" altLang="en-US" smtClean="0"/>
+              <a:rPr kumimoji="1" lang="ja-JP" altLang="en-US"/>
               <a:t>マスター テキストの書式設定</a:t>
             </a:r>
           </a:p>
@@ -2763,7 +2821,7 @@
           <a:p>
             <a:fld id="{27A0500E-217D-4B34-B646-20E6CFEB3D23}" type="datetimeFigureOut">
               <a:rPr kumimoji="1" lang="ja-JP" altLang="en-US" smtClean="0"/>
-              <a:t>2019/12/24</a:t>
+              <a:t>2020/12/1</a:t>
             </a:fld>
             <a:endParaRPr kumimoji="1" lang="ja-JP" altLang="en-US"/>
           </a:p>
@@ -2872,10 +2930,9 @@
           <a:lstStyle/>
           <a:p>
             <a:r>
-              <a:rPr kumimoji="1" lang="ja-JP" altLang="en-US" smtClean="0"/>
+              <a:rPr kumimoji="1" lang="ja-JP" altLang="en-US"/>
               <a:t>マスター タイトルの書式設定</a:t>
             </a:r>
-            <a:endParaRPr kumimoji="1" lang="ja-JP" altLang="en-US"/>
           </a:p>
         </p:txBody>
       </p:sp>
@@ -2906,70 +2963,69 @@
           <a:p>
             <a:pPr lvl="0"/>
             <a:r>
-              <a:rPr kumimoji="1" lang="ja-JP" altLang="en-US" smtClean="0"/>
+              <a:rPr kumimoji="1" lang="ja-JP" altLang="en-US"/>
               <a:t>マスター テキストの書式設定</a:t>
             </a:r>
           </a:p>
           <a:p>
             <a:pPr lvl="1"/>
             <a:r>
-              <a:rPr kumimoji="1" lang="ja-JP" altLang="en-US" smtClean="0"/>
+              <a:rPr kumimoji="1" lang="ja-JP" altLang="en-US"/>
               <a:t>第 </a:t>
             </a:r>
             <a:r>
-              <a:rPr kumimoji="1" lang="en-US" altLang="ja-JP" smtClean="0"/>
+              <a:rPr kumimoji="1" lang="en-US" altLang="ja-JP"/>
               <a:t>2 </a:t>
             </a:r>
             <a:r>
-              <a:rPr kumimoji="1" lang="ja-JP" altLang="en-US" smtClean="0"/>
+              <a:rPr kumimoji="1" lang="ja-JP" altLang="en-US"/>
               <a:t>レベル</a:t>
             </a:r>
           </a:p>
           <a:p>
             <a:pPr lvl="2"/>
             <a:r>
-              <a:rPr kumimoji="1" lang="ja-JP" altLang="en-US" smtClean="0"/>
+              <a:rPr kumimoji="1" lang="ja-JP" altLang="en-US"/>
               <a:t>第 </a:t>
             </a:r>
             <a:r>
-              <a:rPr kumimoji="1" lang="en-US" altLang="ja-JP" smtClean="0"/>
+              <a:rPr kumimoji="1" lang="en-US" altLang="ja-JP"/>
               <a:t>3 </a:t>
             </a:r>
             <a:r>
-              <a:rPr kumimoji="1" lang="ja-JP" altLang="en-US" smtClean="0"/>
+              <a:rPr kumimoji="1" lang="ja-JP" altLang="en-US"/>
               <a:t>レベル</a:t>
             </a:r>
           </a:p>
           <a:p>
             <a:pPr lvl="3"/>
             <a:r>
-              <a:rPr kumimoji="1" lang="ja-JP" altLang="en-US" smtClean="0"/>
+              <a:rPr kumimoji="1" lang="ja-JP" altLang="en-US"/>
               <a:t>第 </a:t>
             </a:r>
             <a:r>
-              <a:rPr kumimoji="1" lang="en-US" altLang="ja-JP" smtClean="0"/>
+              <a:rPr kumimoji="1" lang="en-US" altLang="ja-JP"/>
               <a:t>4 </a:t>
             </a:r>
             <a:r>
-              <a:rPr kumimoji="1" lang="ja-JP" altLang="en-US" smtClean="0"/>
+              <a:rPr kumimoji="1" lang="ja-JP" altLang="en-US"/>
               <a:t>レベル</a:t>
             </a:r>
           </a:p>
           <a:p>
             <a:pPr lvl="4"/>
             <a:r>
-              <a:rPr kumimoji="1" lang="ja-JP" altLang="en-US" smtClean="0"/>
+              <a:rPr kumimoji="1" lang="ja-JP" altLang="en-US"/>
               <a:t>第 </a:t>
             </a:r>
             <a:r>
-              <a:rPr kumimoji="1" lang="en-US" altLang="ja-JP" smtClean="0"/>
+              <a:rPr kumimoji="1" lang="en-US" altLang="ja-JP"/>
               <a:t>5 </a:t>
             </a:r>
             <a:r>
-              <a:rPr kumimoji="1" lang="ja-JP" altLang="en-US" smtClean="0"/>
+              <a:rPr kumimoji="1" lang="ja-JP" altLang="en-US"/>
               <a:t>レベル</a:t>
             </a:r>
-            <a:endParaRPr kumimoji="1" lang="ja-JP" altLang="en-US"/>
           </a:p>
         </p:txBody>
       </p:sp>
@@ -3008,7 +3064,7 @@
           <a:p>
             <a:fld id="{27A0500E-217D-4B34-B646-20E6CFEB3D23}" type="datetimeFigureOut">
               <a:rPr kumimoji="1" lang="ja-JP" altLang="en-US" smtClean="0"/>
-              <a:t>2019/12/24</a:t>
+              <a:t>2020/12/1</a:t>
             </a:fld>
             <a:endParaRPr kumimoji="1" lang="ja-JP" altLang="en-US"/>
           </a:p>
@@ -5474,7 +5530,7 @@
                 </a:lnSpc>
               </a:pPr>
               <a:r>
-                <a:rPr lang="ja-JP" altLang="en-US" sz="1400" b="1" dirty="0" smtClean="0">
+                <a:rPr lang="ja-JP" altLang="en-US" sz="1400" b="1" dirty="0">
                   <a:solidFill>
                     <a:sysClr val="windowText" lastClr="000000"/>
                   </a:solidFill>
@@ -5822,17 +5878,7 @@
                 <a:latin typeface="AR P丸ゴシック体M" pitchFamily="50" charset="-128"/>
                 <a:ea typeface="AR P丸ゴシック体M" pitchFamily="50" charset="-128"/>
               </a:rPr>
-              <a:t>情報</a:t>
-            </a:r>
-            <a:r>
-              <a:rPr lang="ja-JP" altLang="en-US" sz="1400" b="1" dirty="0" smtClean="0">
-                <a:solidFill>
-                  <a:sysClr val="windowText" lastClr="000000"/>
-                </a:solidFill>
-                <a:latin typeface="AR P丸ゴシック体M" pitchFamily="50" charset="-128"/>
-                <a:ea typeface="AR P丸ゴシック体M" pitchFamily="50" charset="-128"/>
-              </a:rPr>
-              <a:t>共有・発信</a:t>
+              <a:t>情報共有・発信</a:t>
             </a:r>
             <a:endParaRPr lang="en-US" altLang="ja-JP" sz="1400" b="1" dirty="0">
               <a:solidFill>
@@ -6965,17 +7011,7 @@
                 <a:latin typeface="AR P丸ゴシック体M" pitchFamily="50" charset="-128"/>
                 <a:ea typeface="AR P丸ゴシック体M" pitchFamily="50" charset="-128"/>
               </a:rPr>
-              <a:t>相談</a:t>
-            </a:r>
-            <a:r>
-              <a:rPr lang="ja-JP" altLang="ja-JP" sz="1800" b="1" dirty="0" smtClean="0">
-                <a:solidFill>
-                  <a:schemeClr val="tx1"/>
-                </a:solidFill>
-                <a:latin typeface="AR P丸ゴシック体M" pitchFamily="50" charset="-128"/>
-                <a:ea typeface="AR P丸ゴシック体M" pitchFamily="50" charset="-128"/>
-              </a:rPr>
-              <a:t>窓口</a:t>
+              <a:t>相談窓口</a:t>
             </a:r>
             <a:endParaRPr lang="en-US" altLang="ja-JP" sz="1600" b="1" dirty="0">
               <a:solidFill>
@@ -6991,7 +7027,7 @@
                 <a:spcPts val="1600"/>
               </a:lnSpc>
             </a:pPr>
-            <a:endParaRPr lang="en-US" altLang="ja-JP" sz="1600" b="1" dirty="0" smtClean="0">
+            <a:endParaRPr lang="en-US" altLang="ja-JP" sz="1600" b="1" dirty="0">
               <a:solidFill>
                 <a:srgbClr val="0070C0"/>
               </a:solidFill>
@@ -7157,175 +7193,6 @@
             </a:r>
             <a:endParaRPr lang="en-US" altLang="ja-JP" sz="900" b="1" dirty="0">
               <a:latin typeface="+mn-ea"/>
-            </a:endParaRPr>
-          </a:p>
-        </p:txBody>
-      </p:sp>
-      <p:sp>
-        <p:nvSpPr>
-          <p:cNvPr id="32" name="屈折矢印 31"/>
-          <p:cNvSpPr/>
-          <p:nvPr/>
-        </p:nvSpPr>
-        <p:spPr>
-          <a:xfrm flipH="1">
-            <a:off x="-2057925" y="4503229"/>
-            <a:ext cx="1334112" cy="492796"/>
-          </a:xfrm>
-          <a:prstGeom prst="bentUpArrow">
-            <a:avLst>
-              <a:gd name="adj1" fmla="val 41569"/>
-              <a:gd name="adj2" fmla="val 50000"/>
-              <a:gd name="adj3" fmla="val 46601"/>
-            </a:avLst>
-          </a:prstGeom>
-          <a:solidFill>
-            <a:srgbClr val="5959E5">
-              <a:alpha val="90000"/>
-            </a:srgbClr>
-          </a:solidFill>
-          <a:ln w="9525">
-            <a:solidFill>
-              <a:schemeClr val="bg2">
-                <a:lumMod val="50000"/>
-              </a:schemeClr>
-            </a:solidFill>
-          </a:ln>
-          <a:effectLst>
-            <a:innerShdw blurRad="63500" dist="50800" dir="5400000">
-              <a:prstClr val="black">
-                <a:alpha val="57000"/>
-              </a:prstClr>
-            </a:innerShdw>
-          </a:effectLst>
-          <a:scene3d>
-            <a:camera prst="orthographicFront"/>
-            <a:lightRig rig="threePt" dir="t">
-              <a:rot lat="0" lon="0" rev="10800000"/>
-            </a:lightRig>
-          </a:scene3d>
-          <a:sp3d>
-            <a:bevelT/>
-          </a:sp3d>
-        </p:spPr>
-        <p:style>
-          <a:lnRef idx="2">
-            <a:schemeClr val="accent1">
-              <a:shade val="50000"/>
-            </a:schemeClr>
-          </a:lnRef>
-          <a:fillRef idx="1">
-            <a:schemeClr val="accent1"/>
-          </a:fillRef>
-          <a:effectRef idx="0">
-            <a:schemeClr val="accent1"/>
-          </a:effectRef>
-          <a:fontRef idx="minor">
-            <a:schemeClr val="lt1"/>
-          </a:fontRef>
-        </p:style>
-        <p:txBody>
-          <a:bodyPr lIns="91429" tIns="45715" rIns="91429" bIns="45715" rtlCol="0" anchor="ctr"/>
-          <a:lstStyle>
-            <a:lvl1pPr marL="0" indent="0">
-              <a:defRPr sz="1100">
-                <a:solidFill>
-                  <a:schemeClr val="lt1"/>
-                </a:solidFill>
-                <a:latin typeface="+mn-lt"/>
-                <a:ea typeface="+mn-ea"/>
-                <a:cs typeface="+mn-cs"/>
-              </a:defRPr>
-            </a:lvl1pPr>
-            <a:lvl2pPr marL="457200" indent="0">
-              <a:defRPr sz="1100">
-                <a:solidFill>
-                  <a:schemeClr val="lt1"/>
-                </a:solidFill>
-                <a:latin typeface="+mn-lt"/>
-                <a:ea typeface="+mn-ea"/>
-                <a:cs typeface="+mn-cs"/>
-              </a:defRPr>
-            </a:lvl2pPr>
-            <a:lvl3pPr marL="914400" indent="0">
-              <a:defRPr sz="1100">
-                <a:solidFill>
-                  <a:schemeClr val="lt1"/>
-                </a:solidFill>
-                <a:latin typeface="+mn-lt"/>
-                <a:ea typeface="+mn-ea"/>
-                <a:cs typeface="+mn-cs"/>
-              </a:defRPr>
-            </a:lvl3pPr>
-            <a:lvl4pPr marL="1371600" indent="0">
-              <a:defRPr sz="1100">
-                <a:solidFill>
-                  <a:schemeClr val="lt1"/>
-                </a:solidFill>
-                <a:latin typeface="+mn-lt"/>
-                <a:ea typeface="+mn-ea"/>
-                <a:cs typeface="+mn-cs"/>
-              </a:defRPr>
-            </a:lvl4pPr>
-            <a:lvl5pPr marL="1828800" indent="0">
-              <a:defRPr sz="1100">
-                <a:solidFill>
-                  <a:schemeClr val="lt1"/>
-                </a:solidFill>
-                <a:latin typeface="+mn-lt"/>
-                <a:ea typeface="+mn-ea"/>
-                <a:cs typeface="+mn-cs"/>
-              </a:defRPr>
-            </a:lvl5pPr>
-            <a:lvl6pPr marL="2286000" indent="0">
-              <a:defRPr sz="1100">
-                <a:solidFill>
-                  <a:schemeClr val="lt1"/>
-                </a:solidFill>
-                <a:latin typeface="+mn-lt"/>
-                <a:ea typeface="+mn-ea"/>
-                <a:cs typeface="+mn-cs"/>
-              </a:defRPr>
-            </a:lvl6pPr>
-            <a:lvl7pPr marL="2743200" indent="0">
-              <a:defRPr sz="1100">
-                <a:solidFill>
-                  <a:schemeClr val="lt1"/>
-                </a:solidFill>
-                <a:latin typeface="+mn-lt"/>
-                <a:ea typeface="+mn-ea"/>
-                <a:cs typeface="+mn-cs"/>
-              </a:defRPr>
-            </a:lvl7pPr>
-            <a:lvl8pPr marL="3200400" indent="0">
-              <a:defRPr sz="1100">
-                <a:solidFill>
-                  <a:schemeClr val="lt1"/>
-                </a:solidFill>
-                <a:latin typeface="+mn-lt"/>
-                <a:ea typeface="+mn-ea"/>
-                <a:cs typeface="+mn-cs"/>
-              </a:defRPr>
-            </a:lvl8pPr>
-            <a:lvl9pPr marL="3657600" indent="0">
-              <a:defRPr sz="1100">
-                <a:solidFill>
-                  <a:schemeClr val="lt1"/>
-                </a:solidFill>
-                <a:latin typeface="+mn-lt"/>
-                <a:ea typeface="+mn-ea"/>
-                <a:cs typeface="+mn-cs"/>
-              </a:defRPr>
-            </a:lvl9pPr>
-          </a:lstStyle>
-          <a:p>
-            <a:pPr algn="ctr"/>
-            <a:endParaRPr lang="ja-JP" altLang="en-US" sz="1000" b="1">
-              <a:solidFill>
-                <a:schemeClr val="tx1"/>
-              </a:solidFill>
-              <a:latin typeface="AR P丸ゴシック体M" pitchFamily="50" charset="-128"/>
-              <a:ea typeface="AR P丸ゴシック体M" pitchFamily="50" charset="-128"/>
             </a:endParaRPr>
           </a:p>
         </p:txBody>
@@ -8115,175 +7982,6 @@
               <a:latin typeface="AR P丸ゴシック体M" pitchFamily="50" charset="-128"/>
               <a:ea typeface="AR P丸ゴシック体M" pitchFamily="50" charset="-128"/>
             </a:endParaRPr>
-          </a:p>
-        </p:txBody>
-      </p:sp>
-      <p:sp>
-        <p:nvSpPr>
-          <p:cNvPr id="51" name="角丸四角形 50"/>
-          <p:cNvSpPr/>
-          <p:nvPr/>
-        </p:nvSpPr>
-        <p:spPr>
-          <a:xfrm>
-            <a:off x="-2412776" y="6380025"/>
-            <a:ext cx="1795030" cy="391030"/>
-          </a:xfrm>
-          <a:prstGeom prst="roundRect">
-            <a:avLst/>
-          </a:prstGeom>
-          <a:solidFill>
-            <a:srgbClr val="D4ECBA"/>
-          </a:solidFill>
-          <a:ln w="3175">
-            <a:solidFill>
-              <a:schemeClr val="accent5">
-                <a:lumMod val="60000"/>
-                <a:lumOff val="40000"/>
-              </a:schemeClr>
-            </a:solidFill>
-          </a:ln>
-          <a:effectLst>
-            <a:outerShdw blurRad="50800" dist="38100" dir="2700000" algn="tl" rotWithShape="0">
-              <a:prstClr val="black">
-                <a:alpha val="40000"/>
-              </a:prstClr>
-            </a:outerShdw>
-          </a:effectLst>
-          <a:scene3d>
-            <a:camera prst="orthographicFront"/>
-            <a:lightRig rig="threePt" dir="t">
-              <a:rot lat="0" lon="0" rev="0"/>
-            </a:lightRig>
-          </a:scene3d>
-          <a:sp3d>
-            <a:bevelT/>
-          </a:sp3d>
-        </p:spPr>
-        <p:style>
-          <a:lnRef idx="2">
-            <a:schemeClr val="accent1">
-              <a:shade val="50000"/>
-            </a:schemeClr>
-          </a:lnRef>
-          <a:fillRef idx="1">
-            <a:schemeClr val="accent1"/>
-          </a:fillRef>
-          <a:effectRef idx="0">
-            <a:schemeClr val="accent1"/>
-          </a:effectRef>
-          <a:fontRef idx="minor">
-            <a:schemeClr val="lt1"/>
-          </a:fontRef>
-        </p:style>
-        <p:txBody>
-          <a:bodyPr lIns="91429" tIns="45715" rIns="91429" bIns="45715" rtlCol="0" anchor="ctr"/>
-          <a:lstStyle>
-            <a:lvl1pPr marL="0" indent="0">
-              <a:defRPr sz="1100">
-                <a:solidFill>
-                  <a:schemeClr val="lt1"/>
-                </a:solidFill>
-                <a:latin typeface="+mn-lt"/>
-                <a:ea typeface="+mn-ea"/>
-                <a:cs typeface="+mn-cs"/>
-              </a:defRPr>
-            </a:lvl1pPr>
-            <a:lvl2pPr marL="457200" indent="0">
-              <a:defRPr sz="1100">
-                <a:solidFill>
-                  <a:schemeClr val="lt1"/>
-                </a:solidFill>
-                <a:latin typeface="+mn-lt"/>
-                <a:ea typeface="+mn-ea"/>
-                <a:cs typeface="+mn-cs"/>
-              </a:defRPr>
-            </a:lvl2pPr>
-            <a:lvl3pPr marL="914400" indent="0">
-              <a:defRPr sz="1100">
-                <a:solidFill>
-                  <a:schemeClr val="lt1"/>
-                </a:solidFill>
-                <a:latin typeface="+mn-lt"/>
-                <a:ea typeface="+mn-ea"/>
-                <a:cs typeface="+mn-cs"/>
-              </a:defRPr>
-            </a:lvl3pPr>
-            <a:lvl4pPr marL="1371600" indent="0">
-              <a:defRPr sz="1100">
-                <a:solidFill>
-                  <a:schemeClr val="lt1"/>
-                </a:solidFill>
-                <a:latin typeface="+mn-lt"/>
-                <a:ea typeface="+mn-ea"/>
-                <a:cs typeface="+mn-cs"/>
-              </a:defRPr>
-            </a:lvl4pPr>
-            <a:lvl5pPr marL="1828800" indent="0">
-              <a:defRPr sz="1100">
-                <a:solidFill>
-                  <a:schemeClr val="lt1"/>
-                </a:solidFill>
-                <a:latin typeface="+mn-lt"/>
-                <a:ea typeface="+mn-ea"/>
-                <a:cs typeface="+mn-cs"/>
-              </a:defRPr>
-            </a:lvl5pPr>
-            <a:lvl6pPr marL="2286000" indent="0">
-              <a:defRPr sz="1100">
-                <a:solidFill>
-                  <a:schemeClr val="lt1"/>
-                </a:solidFill>
-                <a:latin typeface="+mn-lt"/>
-                <a:ea typeface="+mn-ea"/>
-                <a:cs typeface="+mn-cs"/>
-              </a:defRPr>
-            </a:lvl6pPr>
-            <a:lvl7pPr marL="2743200" indent="0">
-              <a:defRPr sz="1100">
-                <a:solidFill>
-                  <a:schemeClr val="lt1"/>
-                </a:solidFill>
-                <a:latin typeface="+mn-lt"/>
-                <a:ea typeface="+mn-ea"/>
-                <a:cs typeface="+mn-cs"/>
-              </a:defRPr>
-            </a:lvl7pPr>
-            <a:lvl8pPr marL="3200400" indent="0">
-              <a:defRPr sz="1100">
-                <a:solidFill>
-                  <a:schemeClr val="lt1"/>
-                </a:solidFill>
-                <a:latin typeface="+mn-lt"/>
-                <a:ea typeface="+mn-ea"/>
-                <a:cs typeface="+mn-cs"/>
-              </a:defRPr>
-            </a:lvl8pPr>
-            <a:lvl9pPr marL="3657600" indent="0">
-              <a:defRPr sz="1100">
-                <a:solidFill>
-                  <a:schemeClr val="lt1"/>
-                </a:solidFill>
-                <a:latin typeface="+mn-lt"/>
-                <a:ea typeface="+mn-ea"/>
-                <a:cs typeface="+mn-cs"/>
-              </a:defRPr>
-            </a:lvl9pPr>
-          </a:lstStyle>
-          <a:p>
-            <a:pPr algn="ctr"/>
-            <a:r>
-              <a:rPr lang="ja-JP" altLang="en-US" sz="1000" b="1" dirty="0">
-                <a:solidFill>
-                  <a:schemeClr val="tx2">
-                    <a:lumMod val="50000"/>
-                  </a:schemeClr>
-                </a:solidFill>
-                <a:latin typeface="AR P丸ゴシック体M" pitchFamily="50" charset="-128"/>
-                <a:ea typeface="AR P丸ゴシック体M" pitchFamily="50" charset="-128"/>
-              </a:rPr>
-              <a:t>宮下正彦 弁護士</a:t>
-            </a:r>
           </a:p>
         </p:txBody>
       </p:sp>
@@ -9679,7 +9377,7 @@
           </a:lstStyle>
           <a:p>
             <a:r>
-              <a:rPr lang="ja-JP" altLang="en-US" sz="1000" b="1" dirty="0" smtClean="0">
+              <a:rPr lang="ja-JP" altLang="en-US" sz="1000" b="1" dirty="0">
                 <a:solidFill>
                   <a:schemeClr val="tx2">
                     <a:lumMod val="50000"/>
@@ -9690,15 +9388,6 @@
               </a:rPr>
               <a:t>有識者</a:t>
             </a:r>
-            <a:endParaRPr lang="ja-JP" altLang="en-US" sz="1000" b="1" dirty="0">
-              <a:solidFill>
-                <a:schemeClr val="tx2">
-                  <a:lumMod val="50000"/>
-                </a:schemeClr>
-              </a:solidFill>
-              <a:latin typeface="AR P丸ゴシック体M" pitchFamily="50" charset="-128"/>
-              <a:ea typeface="AR P丸ゴシック体M" pitchFamily="50" charset="-128"/>
-            </a:endParaRPr>
           </a:p>
         </p:txBody>
       </p:sp>
@@ -9887,175 +9576,6 @@
                 <a:ea typeface="AR P丸ゴシック体M" pitchFamily="50" charset="-128"/>
               </a:rPr>
               <a:t>シマンテック</a:t>
-            </a:r>
-          </a:p>
-        </p:txBody>
-      </p:sp>
-      <p:sp>
-        <p:nvSpPr>
-          <p:cNvPr id="60" name="角丸四角形 59"/>
-          <p:cNvSpPr/>
-          <p:nvPr/>
-        </p:nvSpPr>
-        <p:spPr>
-          <a:xfrm>
-            <a:off x="-2518843" y="6949479"/>
-            <a:ext cx="1795030" cy="391030"/>
-          </a:xfrm>
-          <a:prstGeom prst="roundRect">
-            <a:avLst/>
-          </a:prstGeom>
-          <a:solidFill>
-            <a:srgbClr val="D4ECBA"/>
-          </a:solidFill>
-          <a:ln w="3175">
-            <a:solidFill>
-              <a:schemeClr val="accent5">
-                <a:lumMod val="60000"/>
-                <a:lumOff val="40000"/>
-              </a:schemeClr>
-            </a:solidFill>
-          </a:ln>
-          <a:effectLst>
-            <a:outerShdw blurRad="50800" dist="38100" dir="2700000" algn="tl" rotWithShape="0">
-              <a:prstClr val="black">
-                <a:alpha val="40000"/>
-              </a:prstClr>
-            </a:outerShdw>
-          </a:effectLst>
-          <a:scene3d>
-            <a:camera prst="orthographicFront"/>
-            <a:lightRig rig="threePt" dir="t">
-              <a:rot lat="0" lon="0" rev="0"/>
-            </a:lightRig>
-          </a:scene3d>
-          <a:sp3d>
-            <a:bevelT/>
-          </a:sp3d>
-        </p:spPr>
-        <p:style>
-          <a:lnRef idx="2">
-            <a:schemeClr val="accent1">
-              <a:shade val="50000"/>
-            </a:schemeClr>
-          </a:lnRef>
-          <a:fillRef idx="1">
-            <a:schemeClr val="accent1"/>
-          </a:fillRef>
-          <a:effectRef idx="0">
-            <a:schemeClr val="accent1"/>
-          </a:effectRef>
-          <a:fontRef idx="minor">
-            <a:schemeClr val="lt1"/>
-          </a:fontRef>
-        </p:style>
-        <p:txBody>
-          <a:bodyPr lIns="91429" tIns="45715" rIns="91429" bIns="45715" rtlCol="0" anchor="ctr"/>
-          <a:lstStyle>
-            <a:lvl1pPr marL="0" indent="0">
-              <a:defRPr sz="1100">
-                <a:solidFill>
-                  <a:schemeClr val="lt1"/>
-                </a:solidFill>
-                <a:latin typeface="+mn-lt"/>
-                <a:ea typeface="+mn-ea"/>
-                <a:cs typeface="+mn-cs"/>
-              </a:defRPr>
-            </a:lvl1pPr>
-            <a:lvl2pPr marL="457200" indent="0">
-              <a:defRPr sz="1100">
-                <a:solidFill>
-                  <a:schemeClr val="lt1"/>
-                </a:solidFill>
-                <a:latin typeface="+mn-lt"/>
-                <a:ea typeface="+mn-ea"/>
-                <a:cs typeface="+mn-cs"/>
-              </a:defRPr>
-            </a:lvl2pPr>
-            <a:lvl3pPr marL="914400" indent="0">
-              <a:defRPr sz="1100">
-                <a:solidFill>
-                  <a:schemeClr val="lt1"/>
-                </a:solidFill>
-                <a:latin typeface="+mn-lt"/>
-                <a:ea typeface="+mn-ea"/>
-                <a:cs typeface="+mn-cs"/>
-              </a:defRPr>
-            </a:lvl3pPr>
-            <a:lvl4pPr marL="1371600" indent="0">
-              <a:defRPr sz="1100">
-                <a:solidFill>
-                  <a:schemeClr val="lt1"/>
-                </a:solidFill>
-                <a:latin typeface="+mn-lt"/>
-                <a:ea typeface="+mn-ea"/>
-                <a:cs typeface="+mn-cs"/>
-              </a:defRPr>
-            </a:lvl4pPr>
-            <a:lvl5pPr marL="1828800" indent="0">
-              <a:defRPr sz="1100">
-                <a:solidFill>
-                  <a:schemeClr val="lt1"/>
-                </a:solidFill>
-                <a:latin typeface="+mn-lt"/>
-                <a:ea typeface="+mn-ea"/>
-                <a:cs typeface="+mn-cs"/>
-              </a:defRPr>
-            </a:lvl5pPr>
-            <a:lvl6pPr marL="2286000" indent="0">
-              <a:defRPr sz="1100">
-                <a:solidFill>
-                  <a:schemeClr val="lt1"/>
-                </a:solidFill>
-                <a:latin typeface="+mn-lt"/>
-                <a:ea typeface="+mn-ea"/>
-                <a:cs typeface="+mn-cs"/>
-              </a:defRPr>
-            </a:lvl6pPr>
-            <a:lvl7pPr marL="2743200" indent="0">
-              <a:defRPr sz="1100">
-                <a:solidFill>
-                  <a:schemeClr val="lt1"/>
-                </a:solidFill>
-                <a:latin typeface="+mn-lt"/>
-                <a:ea typeface="+mn-ea"/>
-                <a:cs typeface="+mn-cs"/>
-              </a:defRPr>
-            </a:lvl7pPr>
-            <a:lvl8pPr marL="3200400" indent="0">
-              <a:defRPr sz="1100">
-                <a:solidFill>
-                  <a:schemeClr val="lt1"/>
-                </a:solidFill>
-                <a:latin typeface="+mn-lt"/>
-                <a:ea typeface="+mn-ea"/>
-                <a:cs typeface="+mn-cs"/>
-              </a:defRPr>
-            </a:lvl8pPr>
-            <a:lvl9pPr marL="3657600" indent="0">
-              <a:defRPr sz="1100">
-                <a:solidFill>
-                  <a:schemeClr val="lt1"/>
-                </a:solidFill>
-                <a:latin typeface="+mn-lt"/>
-                <a:ea typeface="+mn-ea"/>
-                <a:cs typeface="+mn-cs"/>
-              </a:defRPr>
-            </a:lvl9pPr>
-          </a:lstStyle>
-          <a:p>
-            <a:pPr algn="ctr"/>
-            <a:r>
-              <a:rPr lang="ja-JP" altLang="en-US" sz="1000" b="1">
-                <a:solidFill>
-                  <a:schemeClr val="tx2">
-                    <a:lumMod val="50000"/>
-                  </a:schemeClr>
-                </a:solidFill>
-                <a:latin typeface="AR P丸ゴシック体M" pitchFamily="50" charset="-128"/>
-                <a:ea typeface="AR P丸ゴシック体M" pitchFamily="50" charset="-128"/>
-              </a:rPr>
-              <a:t>高橋郁夫 弁護士</a:t>
             </a:r>
           </a:p>
         </p:txBody>
@@ -11761,7 +11281,7 @@
           </a:lstStyle>
           <a:p>
             <a:r>
-              <a:rPr lang="ja-JP" altLang="en-US" sz="1000" b="1" dirty="0" smtClean="0">
+              <a:rPr lang="ja-JP" altLang="en-US" sz="1000" b="1" dirty="0">
                 <a:solidFill>
                   <a:schemeClr val="tx2">
                     <a:lumMod val="50000"/>
@@ -11772,15 +11292,6 @@
               </a:rPr>
               <a:t>弁護士</a:t>
             </a:r>
-            <a:endParaRPr lang="ja-JP" altLang="en-US" sz="1000" b="1" dirty="0">
-              <a:solidFill>
-                <a:schemeClr val="tx2">
-                  <a:lumMod val="50000"/>
-                </a:schemeClr>
-              </a:solidFill>
-              <a:latin typeface="AR P丸ゴシック体M" pitchFamily="50" charset="-128"/>
-              <a:ea typeface="AR P丸ゴシック体M" pitchFamily="50" charset="-128"/>
-            </a:endParaRPr>
           </a:p>
         </p:txBody>
       </p:sp>
@@ -11925,19 +11436,7 @@
                 <a:latin typeface="AR P丸ゴシック体M" pitchFamily="50" charset="-128"/>
                 <a:ea typeface="AR P丸ゴシック体M" pitchFamily="50" charset="-128"/>
               </a:rPr>
-              <a:t>中小</a:t>
-            </a:r>
-            <a:r>
-              <a:rPr lang="ja-JP" altLang="en-US" sz="1200" b="1" dirty="0" smtClean="0">
-                <a:solidFill>
-                  <a:schemeClr val="tx2">
-                    <a:lumMod val="75000"/>
-                  </a:schemeClr>
-                </a:solidFill>
-                <a:latin typeface="AR P丸ゴシック体M" pitchFamily="50" charset="-128"/>
-                <a:ea typeface="AR P丸ゴシック体M" pitchFamily="50" charset="-128"/>
-              </a:rPr>
-              <a:t>企業</a:t>
+              <a:t>中小企業</a:t>
             </a:r>
             <a:endParaRPr lang="en-US" altLang="ja-JP" sz="1200" b="1" dirty="0">
               <a:solidFill>
@@ -11991,7 +11490,7 @@
               <a:defRPr/>
             </a:pPr>
             <a:r>
-              <a:rPr lang="ja-JP" altLang="en-US" sz="1200" b="1" dirty="0" smtClean="0">
+              <a:rPr lang="ja-JP" altLang="en-US" sz="1200" b="1" dirty="0">
                 <a:solidFill>
                   <a:schemeClr val="tx1"/>
                 </a:solidFill>
@@ -11999,204 +11498,6 @@
                 <a:ea typeface="AR P丸ゴシック体M" pitchFamily="50" charset="-128"/>
               </a:rPr>
               <a:t>●中小企業向けサイバーセキュリティ対策の極意ポータルサイト</a:t>
-            </a:r>
-            <a:endParaRPr lang="en-US" altLang="ja-JP" sz="1200" b="1" dirty="0" smtClean="0">
-              <a:solidFill>
-                <a:schemeClr val="tx1"/>
-              </a:solidFill>
-              <a:latin typeface="AR P丸ゴシック体M" pitchFamily="50" charset="-128"/>
-              <a:ea typeface="AR P丸ゴシック体M" pitchFamily="50" charset="-128"/>
-            </a:endParaRPr>
-          </a:p>
-          <a:p>
-            <a:pPr>
-              <a:defRPr/>
-            </a:pPr>
-            <a:r>
-              <a:rPr lang="en-US" altLang="ja-JP" sz="1200" b="1" dirty="0">
-                <a:solidFill>
-                  <a:schemeClr val="tx1"/>
-                </a:solidFill>
-                <a:latin typeface="AR P丸ゴシック体M" pitchFamily="50" charset="-128"/>
-                <a:ea typeface="AR P丸ゴシック体M" pitchFamily="50" charset="-128"/>
-                <a:hlinkClick r:id="rId8"/>
-              </a:rPr>
-              <a:t>https://cybersecurity-tokyo.jp</a:t>
-            </a:r>
-            <a:r>
-              <a:rPr lang="en-US" altLang="ja-JP" sz="1200" b="1" dirty="0" smtClean="0">
-                <a:solidFill>
-                  <a:schemeClr val="tx1"/>
-                </a:solidFill>
-                <a:latin typeface="AR P丸ゴシック体M" pitchFamily="50" charset="-128"/>
-                <a:ea typeface="AR P丸ゴシック体M" pitchFamily="50" charset="-128"/>
-                <a:hlinkClick r:id="rId8"/>
-              </a:rPr>
-              <a:t>/</a:t>
-            </a:r>
-            <a:endParaRPr lang="en-US" altLang="ja-JP" sz="1200" b="1" dirty="0" smtClean="0">
-              <a:solidFill>
-                <a:schemeClr val="tx1"/>
-              </a:solidFill>
-              <a:latin typeface="AR P丸ゴシック体M" pitchFamily="50" charset="-128"/>
-              <a:ea typeface="AR P丸ゴシック体M" pitchFamily="50" charset="-128"/>
-            </a:endParaRPr>
-          </a:p>
-          <a:p>
-            <a:pPr>
-              <a:defRPr/>
-            </a:pPr>
-            <a:r>
-              <a:rPr lang="ja-JP" altLang="en-US" sz="1200" b="1" dirty="0" smtClean="0">
-                <a:solidFill>
-                  <a:schemeClr val="tx1"/>
-                </a:solidFill>
-                <a:latin typeface="AR P丸ゴシック体M" pitchFamily="50" charset="-128"/>
-                <a:ea typeface="AR P丸ゴシック体M" pitchFamily="50" charset="-128"/>
-              </a:rPr>
-              <a:t>●</a:t>
-            </a:r>
-            <a:r>
-              <a:rPr lang="ja-JP" altLang="en-US" sz="1200" b="1" dirty="0" smtClean="0">
-                <a:solidFill>
-                  <a:schemeClr val="tx1"/>
-                </a:solidFill>
-                <a:latin typeface="AR P丸ゴシック体M" pitchFamily="50" charset="-128"/>
-                <a:ea typeface="AR P丸ゴシック体M" pitchFamily="50" charset="-128"/>
-              </a:rPr>
-              <a:t>電話相談 </a:t>
-            </a:r>
-            <a:r>
-              <a:rPr lang="en-US" altLang="ja-JP" sz="1200" b="1" dirty="0" smtClean="0">
-                <a:solidFill>
-                  <a:schemeClr val="tx1"/>
-                </a:solidFill>
-                <a:latin typeface="AR P丸ゴシック体M" pitchFamily="50" charset="-128"/>
-                <a:ea typeface="AR P丸ゴシック体M" pitchFamily="50" charset="-128"/>
-              </a:rPr>
-              <a:t>03-5320-4773</a:t>
-            </a:r>
-            <a:r>
-              <a:rPr lang="ja-JP" altLang="en-US" sz="1200" b="1" dirty="0" smtClean="0">
-                <a:solidFill>
-                  <a:schemeClr val="tx1"/>
-                </a:solidFill>
-                <a:latin typeface="AR P丸ゴシック体M" pitchFamily="50" charset="-128"/>
-                <a:ea typeface="AR P丸ゴシック体M" pitchFamily="50" charset="-128"/>
-              </a:rPr>
-              <a:t>　</a:t>
-            </a:r>
-            <a:r>
-              <a:rPr lang="en-US" altLang="ja-JP" sz="1200" b="1" dirty="0" smtClean="0">
-                <a:solidFill>
-                  <a:schemeClr val="tx1"/>
-                </a:solidFill>
-                <a:latin typeface="AR P丸ゴシック体M" pitchFamily="50" charset="-128"/>
-                <a:ea typeface="AR P丸ゴシック体M" pitchFamily="50" charset="-128"/>
-              </a:rPr>
-              <a:t>(</a:t>
-            </a:r>
-            <a:r>
-              <a:rPr lang="ja-JP" altLang="en-US" sz="1200" b="1" dirty="0">
-                <a:solidFill>
-                  <a:schemeClr val="tx1"/>
-                </a:solidFill>
-                <a:latin typeface="AR P丸ゴシック体M" pitchFamily="50" charset="-128"/>
-                <a:ea typeface="AR P丸ゴシック体M" pitchFamily="50" charset="-128"/>
-              </a:rPr>
-              <a:t>直通</a:t>
-            </a:r>
-            <a:r>
-              <a:rPr lang="en-US" altLang="ja-JP" sz="1200" b="1" dirty="0" smtClean="0">
-                <a:solidFill>
-                  <a:schemeClr val="tx1"/>
-                </a:solidFill>
-                <a:latin typeface="AR P丸ゴシック体M" pitchFamily="50" charset="-128"/>
-                <a:ea typeface="AR P丸ゴシック体M" pitchFamily="50" charset="-128"/>
-              </a:rPr>
-              <a:t>)</a:t>
-            </a:r>
-            <a:r>
-              <a:rPr lang="ja-JP" altLang="en-US" sz="1200" b="1" dirty="0" smtClean="0">
-                <a:solidFill>
-                  <a:schemeClr val="tx1"/>
-                </a:solidFill>
-                <a:latin typeface="AR P丸ゴシック体M" pitchFamily="50" charset="-128"/>
-                <a:ea typeface="AR P丸ゴシック体M" pitchFamily="50" charset="-128"/>
-              </a:rPr>
-              <a:t>　</a:t>
-            </a:r>
-            <a:endParaRPr lang="en-US" altLang="ja-JP" sz="1200" b="1" dirty="0" smtClean="0">
-              <a:solidFill>
-                <a:schemeClr val="tx1"/>
-              </a:solidFill>
-              <a:latin typeface="AR P丸ゴシック体M" pitchFamily="50" charset="-128"/>
-              <a:ea typeface="AR P丸ゴシック体M" pitchFamily="50" charset="-128"/>
-            </a:endParaRPr>
-          </a:p>
-          <a:p>
-            <a:pPr>
-              <a:defRPr/>
-            </a:pPr>
-            <a:r>
-              <a:rPr lang="ja-JP" altLang="en-US" sz="1200" b="1" dirty="0" smtClean="0">
-                <a:solidFill>
-                  <a:schemeClr val="tx1"/>
-                </a:solidFill>
-                <a:latin typeface="AR P丸ゴシック体M" pitchFamily="50" charset="-128"/>
-                <a:ea typeface="AR P丸ゴシック体M" pitchFamily="50" charset="-128"/>
-              </a:rPr>
-              <a:t>　</a:t>
-            </a:r>
-            <a:r>
-              <a:rPr lang="en-US" altLang="ja-JP" sz="1200" b="1" dirty="0" smtClean="0">
-                <a:solidFill>
-                  <a:schemeClr val="tx1"/>
-                </a:solidFill>
-                <a:latin typeface="AR P丸ゴシック体M" pitchFamily="50" charset="-128"/>
-                <a:ea typeface="AR P丸ゴシック体M" pitchFamily="50" charset="-128"/>
-              </a:rPr>
-              <a:t>9:00</a:t>
-            </a:r>
-            <a:r>
-              <a:rPr lang="ja-JP" altLang="en-US" sz="1200" b="1" dirty="0" smtClean="0">
-                <a:solidFill>
-                  <a:schemeClr val="tx1"/>
-                </a:solidFill>
-                <a:latin typeface="AR P丸ゴシック体M" pitchFamily="50" charset="-128"/>
-                <a:ea typeface="AR P丸ゴシック体M" pitchFamily="50" charset="-128"/>
-              </a:rPr>
-              <a:t>～</a:t>
-            </a:r>
-            <a:r>
-              <a:rPr lang="en-US" altLang="ja-JP" sz="1200" b="1" dirty="0" smtClean="0">
-                <a:solidFill>
-                  <a:schemeClr val="tx1"/>
-                </a:solidFill>
-                <a:latin typeface="AR P丸ゴシック体M" pitchFamily="50" charset="-128"/>
-                <a:ea typeface="AR P丸ゴシック体M" pitchFamily="50" charset="-128"/>
-              </a:rPr>
-              <a:t>12:00 13:00</a:t>
-            </a:r>
-            <a:r>
-              <a:rPr lang="ja-JP" altLang="en-US" sz="1200" b="1" dirty="0">
-                <a:solidFill>
-                  <a:schemeClr val="tx1"/>
-                </a:solidFill>
-                <a:latin typeface="AR P丸ゴシック体M" pitchFamily="50" charset="-128"/>
-                <a:ea typeface="AR P丸ゴシック体M" pitchFamily="50" charset="-128"/>
-              </a:rPr>
-              <a:t>～</a:t>
-            </a:r>
-            <a:r>
-              <a:rPr lang="en-US" altLang="ja-JP" sz="1200" b="1" dirty="0" smtClean="0">
-                <a:solidFill>
-                  <a:schemeClr val="tx1"/>
-                </a:solidFill>
-                <a:latin typeface="AR P丸ゴシック体M" pitchFamily="50" charset="-128"/>
-                <a:ea typeface="AR P丸ゴシック体M" pitchFamily="50" charset="-128"/>
-              </a:rPr>
-              <a:t>17:00</a:t>
             </a:r>
             <a:endParaRPr lang="en-US" altLang="ja-JP" sz="1200" b="1" dirty="0">
               <a:solidFill>
@@ -12211,126 +11512,15 @@
               <a:defRPr/>
             </a:pPr>
             <a:r>
-              <a:rPr lang="ja-JP" altLang="en-US" sz="1200" b="1" dirty="0" smtClean="0">
+              <a:rPr lang="en-US" altLang="ja-JP" sz="1200" b="1" dirty="0">
                 <a:solidFill>
                   <a:schemeClr val="tx1"/>
                 </a:solidFill>
                 <a:latin typeface="AR P丸ゴシック体M" pitchFamily="50" charset="-128"/>
                 <a:ea typeface="AR P丸ゴシック体M" pitchFamily="50" charset="-128"/>
+                <a:hlinkClick r:id="rId8"/>
               </a:rPr>
-              <a:t>●窓口</a:t>
-            </a:r>
-            <a:r>
-              <a:rPr lang="ja-JP" altLang="en-US" sz="1200" b="1" dirty="0">
-                <a:solidFill>
-                  <a:schemeClr val="tx1"/>
-                </a:solidFill>
-                <a:latin typeface="AR P丸ゴシック体M" pitchFamily="50" charset="-128"/>
-                <a:ea typeface="AR P丸ゴシック体M" pitchFamily="50" charset="-128"/>
-              </a:rPr>
-              <a:t>での相談　東京都産業労働局</a:t>
-            </a:r>
-            <a:r>
-              <a:rPr lang="ja-JP" altLang="en-US" sz="1200" b="1" dirty="0" smtClean="0">
-                <a:solidFill>
-                  <a:schemeClr val="tx1"/>
-                </a:solidFill>
-                <a:latin typeface="AR P丸ゴシック体M" pitchFamily="50" charset="-128"/>
-                <a:ea typeface="AR P丸ゴシック体M" pitchFamily="50" charset="-128"/>
-              </a:rPr>
-              <a:t>商工部</a:t>
-            </a:r>
-            <a:endParaRPr lang="en-US" altLang="ja-JP" sz="1200" b="1" dirty="0" smtClean="0">
-              <a:solidFill>
-                <a:schemeClr val="tx1"/>
-              </a:solidFill>
-              <a:latin typeface="AR P丸ゴシック体M" pitchFamily="50" charset="-128"/>
-              <a:ea typeface="AR P丸ゴシック体M" pitchFamily="50" charset="-128"/>
-            </a:endParaRPr>
-          </a:p>
-          <a:p>
-            <a:pPr>
-              <a:defRPr/>
-            </a:pPr>
-            <a:r>
-              <a:rPr lang="ja-JP" altLang="en-US" sz="1200" b="1" dirty="0">
-                <a:solidFill>
-                  <a:schemeClr val="tx1"/>
-                </a:solidFill>
-                <a:latin typeface="AR P丸ゴシック体M" pitchFamily="50" charset="-128"/>
-                <a:ea typeface="AR P丸ゴシック体M" pitchFamily="50" charset="-128"/>
-              </a:rPr>
-              <a:t>　</a:t>
-            </a:r>
-            <a:r>
-              <a:rPr lang="en-US" altLang="ja-JP" sz="1200" b="1" dirty="0" smtClean="0">
-                <a:solidFill>
-                  <a:schemeClr val="tx1"/>
-                </a:solidFill>
-                <a:latin typeface="AR P丸ゴシック体M" pitchFamily="50" charset="-128"/>
-                <a:ea typeface="AR P丸ゴシック体M" pitchFamily="50" charset="-128"/>
-              </a:rPr>
-              <a:t>(</a:t>
-            </a:r>
-            <a:r>
-              <a:rPr lang="ja-JP" altLang="en-US" sz="1200" b="1" dirty="0">
-                <a:solidFill>
-                  <a:schemeClr val="tx1"/>
-                </a:solidFill>
-                <a:latin typeface="AR P丸ゴシック体M" pitchFamily="50" charset="-128"/>
-                <a:ea typeface="AR P丸ゴシック体M" pitchFamily="50" charset="-128"/>
-              </a:rPr>
-              <a:t>都庁第一本</a:t>
-            </a:r>
-            <a:r>
-              <a:rPr lang="ja-JP" altLang="en-US" sz="1200" b="1" dirty="0" smtClean="0">
-                <a:solidFill>
-                  <a:schemeClr val="tx1"/>
-                </a:solidFill>
-                <a:latin typeface="AR P丸ゴシック体M" pitchFamily="50" charset="-128"/>
-                <a:ea typeface="AR P丸ゴシック体M" pitchFamily="50" charset="-128"/>
-              </a:rPr>
-              <a:t>庁舎</a:t>
-            </a:r>
-            <a:r>
-              <a:rPr lang="en-US" altLang="ja-JP" sz="1200" b="1" dirty="0" smtClean="0">
-                <a:solidFill>
-                  <a:schemeClr val="tx1"/>
-                </a:solidFill>
-                <a:latin typeface="AR P丸ゴシック体M" pitchFamily="50" charset="-128"/>
-                <a:ea typeface="AR P丸ゴシック体M" pitchFamily="50" charset="-128"/>
-              </a:rPr>
-              <a:t>20</a:t>
-            </a:r>
-            <a:r>
-              <a:rPr lang="ja-JP" altLang="en-US" sz="1200" b="1" dirty="0" smtClean="0">
-                <a:solidFill>
-                  <a:schemeClr val="tx1"/>
-                </a:solidFill>
-                <a:latin typeface="AR P丸ゴシック体M" pitchFamily="50" charset="-128"/>
-                <a:ea typeface="AR P丸ゴシック体M" pitchFamily="50" charset="-128"/>
-              </a:rPr>
-              <a:t>階</a:t>
-            </a:r>
-            <a:r>
-              <a:rPr lang="ja-JP" altLang="en-US" sz="1200" b="1" dirty="0">
-                <a:solidFill>
-                  <a:schemeClr val="tx1"/>
-                </a:solidFill>
-                <a:latin typeface="AR P丸ゴシック体M" pitchFamily="50" charset="-128"/>
-                <a:ea typeface="AR P丸ゴシック体M" pitchFamily="50" charset="-128"/>
-              </a:rPr>
-              <a:t>北側</a:t>
-            </a:r>
-            <a:r>
-              <a:rPr lang="en-US" altLang="ja-JP" sz="1200" b="1" dirty="0" smtClean="0">
-                <a:solidFill>
-                  <a:schemeClr val="tx1"/>
-                </a:solidFill>
-                <a:latin typeface="AR P丸ゴシック体M" pitchFamily="50" charset="-128"/>
-                <a:ea typeface="AR P丸ゴシック体M" pitchFamily="50" charset="-128"/>
-              </a:rPr>
-              <a:t>)</a:t>
+              <a:t>https://cybersecurity-tokyo.jp/</a:t>
             </a:r>
             <a:endParaRPr lang="en-US" altLang="ja-JP" sz="1200" b="1" dirty="0">
               <a:solidFill>
@@ -12340,45 +11530,239 @@
               <a:ea typeface="AR P丸ゴシック体M" pitchFamily="50" charset="-128"/>
             </a:endParaRPr>
           </a:p>
-        </p:txBody>
-      </p:sp>
-      <p:sp>
-        <p:nvSpPr>
-          <p:cNvPr id="91" name="左矢印 90"/>
-          <p:cNvSpPr/>
-          <p:nvPr/>
-        </p:nvSpPr>
-        <p:spPr>
-          <a:xfrm>
-            <a:off x="-1515261" y="4170857"/>
-            <a:ext cx="686661" cy="332372"/>
-          </a:xfrm>
-          <a:prstGeom prst="leftArrow">
-            <a:avLst/>
-          </a:prstGeom>
-        </p:spPr>
-        <p:style>
-          <a:lnRef idx="2">
-            <a:schemeClr val="accent1">
-              <a:shade val="50000"/>
-            </a:schemeClr>
-          </a:lnRef>
-          <a:fillRef idx="1">
-            <a:schemeClr val="accent1"/>
-          </a:fillRef>
-          <a:effectRef idx="0">
-            <a:schemeClr val="accent1"/>
-          </a:effectRef>
-          <a:fontRef idx="minor">
-            <a:schemeClr val="lt1"/>
-          </a:fontRef>
-        </p:style>
-        <p:txBody>
-          <a:bodyPr rtlCol="0" anchor="ctr"/>
-          <a:lstStyle/>
-          <a:p>
-            <a:pPr algn="ctr"/>
-            <a:endParaRPr kumimoji="1" lang="ja-JP" altLang="en-US"/>
+          <a:p>
+            <a:pPr>
+              <a:defRPr/>
+            </a:pPr>
+            <a:r>
+              <a:rPr lang="ja-JP" altLang="en-US" sz="1200" b="1" dirty="0">
+                <a:solidFill>
+                  <a:schemeClr val="tx1"/>
+                </a:solidFill>
+                <a:latin typeface="AR P丸ゴシック体M" pitchFamily="50" charset="-128"/>
+                <a:ea typeface="AR P丸ゴシック体M" pitchFamily="50" charset="-128"/>
+              </a:rPr>
+              <a:t>●電話相談 </a:t>
+            </a:r>
+            <a:r>
+              <a:rPr lang="en-US" altLang="ja-JP" sz="1200" b="1" dirty="0">
+                <a:solidFill>
+                  <a:schemeClr val="tx1"/>
+                </a:solidFill>
+                <a:latin typeface="AR P丸ゴシック体M" pitchFamily="50" charset="-128"/>
+                <a:ea typeface="AR P丸ゴシック体M" pitchFamily="50" charset="-128"/>
+              </a:rPr>
+              <a:t>03-5320-4773</a:t>
+            </a:r>
+            <a:r>
+              <a:rPr lang="ja-JP" altLang="en-US" sz="1200" b="1" dirty="0">
+                <a:solidFill>
+                  <a:schemeClr val="tx1"/>
+                </a:solidFill>
+                <a:latin typeface="AR P丸ゴシック体M" pitchFamily="50" charset="-128"/>
+                <a:ea typeface="AR P丸ゴシック体M" pitchFamily="50" charset="-128"/>
+              </a:rPr>
+              <a:t>　</a:t>
+            </a:r>
+            <a:r>
+              <a:rPr lang="en-US" altLang="ja-JP" sz="1200" b="1" dirty="0">
+                <a:solidFill>
+                  <a:schemeClr val="tx1"/>
+                </a:solidFill>
+                <a:latin typeface="AR P丸ゴシック体M" pitchFamily="50" charset="-128"/>
+                <a:ea typeface="AR P丸ゴシック体M" pitchFamily="50" charset="-128"/>
+              </a:rPr>
+              <a:t>(</a:t>
+            </a:r>
+            <a:r>
+              <a:rPr lang="ja-JP" altLang="en-US" sz="1200" b="1" dirty="0">
+                <a:solidFill>
+                  <a:schemeClr val="tx1"/>
+                </a:solidFill>
+                <a:latin typeface="AR P丸ゴシック体M" pitchFamily="50" charset="-128"/>
+                <a:ea typeface="AR P丸ゴシック体M" pitchFamily="50" charset="-128"/>
+              </a:rPr>
+              <a:t>直通</a:t>
+            </a:r>
+            <a:r>
+              <a:rPr lang="en-US" altLang="ja-JP" sz="1200" b="1" dirty="0">
+                <a:solidFill>
+                  <a:schemeClr val="tx1"/>
+                </a:solidFill>
+                <a:latin typeface="AR P丸ゴシック体M" pitchFamily="50" charset="-128"/>
+                <a:ea typeface="AR P丸ゴシック体M" pitchFamily="50" charset="-128"/>
+              </a:rPr>
+              <a:t>)</a:t>
+            </a:r>
+            <a:r>
+              <a:rPr lang="ja-JP" altLang="en-US" sz="1200" b="1" dirty="0">
+                <a:solidFill>
+                  <a:schemeClr val="tx1"/>
+                </a:solidFill>
+                <a:latin typeface="AR P丸ゴシック体M" pitchFamily="50" charset="-128"/>
+                <a:ea typeface="AR P丸ゴシック体M" pitchFamily="50" charset="-128"/>
+              </a:rPr>
+              <a:t>　</a:t>
+            </a:r>
+            <a:endParaRPr lang="en-US" altLang="ja-JP" sz="1200" b="1" dirty="0">
+              <a:solidFill>
+                <a:schemeClr val="tx1"/>
+              </a:solidFill>
+              <a:latin typeface="AR P丸ゴシック体M" pitchFamily="50" charset="-128"/>
+              <a:ea typeface="AR P丸ゴシック体M" pitchFamily="50" charset="-128"/>
+            </a:endParaRPr>
+          </a:p>
+          <a:p>
+            <a:pPr>
+              <a:defRPr/>
+            </a:pPr>
+            <a:r>
+              <a:rPr lang="ja-JP" altLang="en-US" sz="1200" b="1" dirty="0">
+                <a:solidFill>
+                  <a:schemeClr val="tx1"/>
+                </a:solidFill>
+                <a:latin typeface="AR P丸ゴシック体M" pitchFamily="50" charset="-128"/>
+                <a:ea typeface="AR P丸ゴシック体M" pitchFamily="50" charset="-128"/>
+              </a:rPr>
+              <a:t>　</a:t>
+            </a:r>
+            <a:r>
+              <a:rPr lang="en-US" altLang="ja-JP" sz="1200" b="1" dirty="0">
+                <a:solidFill>
+                  <a:schemeClr val="tx1"/>
+                </a:solidFill>
+                <a:latin typeface="AR P丸ゴシック体M" pitchFamily="50" charset="-128"/>
+                <a:ea typeface="AR P丸ゴシック体M" pitchFamily="50" charset="-128"/>
+              </a:rPr>
+              <a:t>9:00</a:t>
+            </a:r>
+            <a:r>
+              <a:rPr lang="ja-JP" altLang="en-US" sz="1200" b="1" dirty="0">
+                <a:solidFill>
+                  <a:schemeClr val="tx1"/>
+                </a:solidFill>
+                <a:latin typeface="AR P丸ゴシック体M" pitchFamily="50" charset="-128"/>
+                <a:ea typeface="AR P丸ゴシック体M" pitchFamily="50" charset="-128"/>
+              </a:rPr>
+              <a:t>～</a:t>
+            </a:r>
+            <a:r>
+              <a:rPr lang="en-US" altLang="ja-JP" sz="1200" b="1" dirty="0">
+                <a:solidFill>
+                  <a:schemeClr val="tx1"/>
+                </a:solidFill>
+                <a:latin typeface="AR P丸ゴシック体M" pitchFamily="50" charset="-128"/>
+                <a:ea typeface="AR P丸ゴシック体M" pitchFamily="50" charset="-128"/>
+              </a:rPr>
+              <a:t>12:00 13:00</a:t>
+            </a:r>
+            <a:r>
+              <a:rPr lang="ja-JP" altLang="en-US" sz="1200" b="1" dirty="0">
+                <a:solidFill>
+                  <a:schemeClr val="tx1"/>
+                </a:solidFill>
+                <a:latin typeface="AR P丸ゴシック体M" pitchFamily="50" charset="-128"/>
+                <a:ea typeface="AR P丸ゴシック体M" pitchFamily="50" charset="-128"/>
+              </a:rPr>
+              <a:t>～</a:t>
+            </a:r>
+            <a:r>
+              <a:rPr lang="en-US" altLang="ja-JP" sz="1200" b="1" dirty="0">
+                <a:solidFill>
+                  <a:schemeClr val="tx1"/>
+                </a:solidFill>
+                <a:latin typeface="AR P丸ゴシック体M" pitchFamily="50" charset="-128"/>
+                <a:ea typeface="AR P丸ゴシック体M" pitchFamily="50" charset="-128"/>
+              </a:rPr>
+              <a:t>17:00</a:t>
+            </a:r>
+          </a:p>
+          <a:p>
+            <a:pPr>
+              <a:defRPr/>
+            </a:pPr>
+            <a:r>
+              <a:rPr lang="ja-JP" altLang="en-US" sz="1200" b="1" dirty="0">
+                <a:solidFill>
+                  <a:schemeClr val="tx1"/>
+                </a:solidFill>
+                <a:latin typeface="AR P丸ゴシック体M" pitchFamily="50" charset="-128"/>
+                <a:ea typeface="AR P丸ゴシック体M" pitchFamily="50" charset="-128"/>
+              </a:rPr>
+              <a:t>●窓口での相談　東京都産業労働局商工部</a:t>
+            </a:r>
+            <a:endParaRPr lang="en-US" altLang="ja-JP" sz="1200" b="1" dirty="0">
+              <a:solidFill>
+                <a:schemeClr val="tx1"/>
+              </a:solidFill>
+              <a:latin typeface="AR P丸ゴシック体M" pitchFamily="50" charset="-128"/>
+              <a:ea typeface="AR P丸ゴシック体M" pitchFamily="50" charset="-128"/>
+            </a:endParaRPr>
+          </a:p>
+          <a:p>
+            <a:pPr>
+              <a:defRPr/>
+            </a:pPr>
+            <a:r>
+              <a:rPr lang="ja-JP" altLang="en-US" sz="1200" b="1" dirty="0">
+                <a:solidFill>
+                  <a:schemeClr val="tx1"/>
+                </a:solidFill>
+                <a:latin typeface="AR P丸ゴシック体M" pitchFamily="50" charset="-128"/>
+                <a:ea typeface="AR P丸ゴシック体M" pitchFamily="50" charset="-128"/>
+              </a:rPr>
+              <a:t>　</a:t>
+            </a:r>
+            <a:r>
+              <a:rPr lang="en-US" altLang="ja-JP" sz="1200" b="1" dirty="0">
+                <a:solidFill>
+                  <a:schemeClr val="tx1"/>
+                </a:solidFill>
+                <a:latin typeface="AR P丸ゴシック体M" pitchFamily="50" charset="-128"/>
+                <a:ea typeface="AR P丸ゴシック体M" pitchFamily="50" charset="-128"/>
+              </a:rPr>
+              <a:t>(</a:t>
+            </a:r>
+            <a:r>
+              <a:rPr lang="ja-JP" altLang="en-US" sz="1200" b="1" dirty="0">
+                <a:solidFill>
+                  <a:schemeClr val="tx1"/>
+                </a:solidFill>
+                <a:latin typeface="AR P丸ゴシック体M" pitchFamily="50" charset="-128"/>
+                <a:ea typeface="AR P丸ゴシック体M" pitchFamily="50" charset="-128"/>
+              </a:rPr>
+              <a:t>都庁第一本庁舎</a:t>
+            </a:r>
+            <a:r>
+              <a:rPr lang="en-US" altLang="ja-JP" sz="1200" b="1" dirty="0">
+                <a:solidFill>
+                  <a:schemeClr val="tx1"/>
+                </a:solidFill>
+                <a:latin typeface="AR P丸ゴシック体M" pitchFamily="50" charset="-128"/>
+                <a:ea typeface="AR P丸ゴシック体M" pitchFamily="50" charset="-128"/>
+              </a:rPr>
+              <a:t>20</a:t>
+            </a:r>
+            <a:r>
+              <a:rPr lang="ja-JP" altLang="en-US" sz="1200" b="1" dirty="0">
+                <a:solidFill>
+                  <a:schemeClr val="tx1"/>
+                </a:solidFill>
+                <a:latin typeface="AR P丸ゴシック体M" pitchFamily="50" charset="-128"/>
+                <a:ea typeface="AR P丸ゴシック体M" pitchFamily="50" charset="-128"/>
+              </a:rPr>
+              <a:t>階北側</a:t>
+            </a:r>
+            <a:r>
+              <a:rPr lang="en-US" altLang="ja-JP" sz="1200" b="1" dirty="0">
+                <a:solidFill>
+                  <a:schemeClr val="tx1"/>
+                </a:solidFill>
+                <a:latin typeface="AR P丸ゴシック体M" pitchFamily="50" charset="-128"/>
+                <a:ea typeface="AR P丸ゴシック体M" pitchFamily="50" charset="-128"/>
+              </a:rPr>
+              <a:t>)</a:t>
+            </a:r>
           </a:p>
         </p:txBody>
       </p:sp>
@@ -13410,7 +12794,7 @@
               <a:defRPr/>
             </a:pPr>
             <a:r>
-              <a:rPr lang="en-US" altLang="ja-JP" sz="1050" b="1" dirty="0" smtClean="0">
+              <a:rPr lang="en-US" altLang="ja-JP" sz="1050" b="1" dirty="0">
                 <a:solidFill>
                   <a:schemeClr val="tx1"/>
                 </a:solidFill>
@@ -13420,7 +12804,7 @@
               <a:t>TCYSS</a:t>
             </a:r>
             <a:r>
-              <a:rPr lang="ja-JP" altLang="en-US" sz="1050" b="1" dirty="0" smtClean="0">
+              <a:rPr lang="ja-JP" altLang="en-US" sz="1050" b="1" dirty="0">
                 <a:solidFill>
                   <a:schemeClr val="tx1"/>
                 </a:solidFill>
@@ -13429,7 +12813,7 @@
               </a:rPr>
               <a:t>参加機関相互協力協定</a:t>
             </a:r>
-            <a:endParaRPr lang="en-US" altLang="ja-JP" sz="1050" b="1" dirty="0" smtClean="0">
+            <a:endParaRPr lang="en-US" altLang="ja-JP" sz="1050" b="1" dirty="0">
               <a:solidFill>
                 <a:schemeClr val="tx1"/>
               </a:solidFill>
@@ -13442,7 +12826,7 @@
               <a:defRPr/>
             </a:pPr>
             <a:r>
-              <a:rPr lang="ja-JP" altLang="en-US" sz="1050" b="1" dirty="0" smtClean="0">
+              <a:rPr lang="ja-JP" altLang="en-US" sz="1050" b="1" dirty="0">
                 <a:solidFill>
                   <a:schemeClr val="tx1"/>
                 </a:solidFill>
@@ -13451,7 +12835,7 @@
               </a:rPr>
               <a:t>・意識の啓発活動</a:t>
             </a:r>
-            <a:endParaRPr lang="en-US" altLang="ja-JP" sz="1050" b="1" dirty="0" smtClean="0">
+            <a:endParaRPr lang="en-US" altLang="ja-JP" sz="1050" b="1" dirty="0">
               <a:solidFill>
                 <a:schemeClr val="tx1"/>
               </a:solidFill>
@@ -13464,7 +12848,7 @@
               <a:defRPr/>
             </a:pPr>
             <a:r>
-              <a:rPr lang="ja-JP" altLang="en-US" sz="1050" b="1" dirty="0" smtClean="0">
+              <a:rPr lang="ja-JP" altLang="en-US" sz="1050" b="1" dirty="0">
                 <a:solidFill>
                   <a:schemeClr val="tx1"/>
                 </a:solidFill>
@@ -13473,7 +12857,7 @@
               </a:rPr>
               <a:t>・情報共有の枠組みの構築</a:t>
             </a:r>
-            <a:endParaRPr lang="en-US" altLang="ja-JP" sz="1050" b="1" dirty="0" smtClean="0">
+            <a:endParaRPr lang="en-US" altLang="ja-JP" sz="1050" b="1" dirty="0">
               <a:solidFill>
                 <a:schemeClr val="tx1"/>
               </a:solidFill>
@@ -13486,7 +12870,7 @@
               <a:defRPr/>
             </a:pPr>
             <a:r>
-              <a:rPr lang="ja-JP" altLang="en-US" sz="1050" b="1" dirty="0" smtClean="0">
+              <a:rPr lang="ja-JP" altLang="en-US" sz="1050" b="1" dirty="0">
                 <a:solidFill>
                   <a:schemeClr val="tx1"/>
                 </a:solidFill>
@@ -13495,7 +12879,7 @@
               </a:rPr>
               <a:t>・相談体制の構築</a:t>
             </a:r>
-            <a:endParaRPr lang="en-US" altLang="ja-JP" sz="1050" b="1" dirty="0" smtClean="0">
+            <a:endParaRPr lang="en-US" altLang="ja-JP" sz="1050" b="1" dirty="0">
               <a:solidFill>
                 <a:schemeClr val="tx1"/>
               </a:solidFill>
@@ -13508,7 +12892,7 @@
               <a:defRPr/>
             </a:pPr>
             <a:r>
-              <a:rPr lang="ja-JP" altLang="en-US" sz="1050" b="1" dirty="0" smtClean="0">
+              <a:rPr lang="ja-JP" altLang="en-US" sz="1050" b="1" dirty="0">
                 <a:solidFill>
                   <a:schemeClr val="tx1"/>
                 </a:solidFill>
@@ -13517,234 +12901,12 @@
               </a:rPr>
               <a:t>・事案発生時の相互連携</a:t>
             </a:r>
-            <a:endParaRPr lang="en-US" altLang="ja-JP" sz="1050" b="1" dirty="0" smtClean="0">
+            <a:endParaRPr lang="en-US" altLang="ja-JP" sz="1050" b="1" dirty="0">
               <a:solidFill>
                 <a:schemeClr val="tx1"/>
               </a:solidFill>
               <a:latin typeface="AR P丸ゴシック体M" pitchFamily="50" charset="-128"/>
               <a:ea typeface="AR P丸ゴシック体M" pitchFamily="50" charset="-128"/>
-            </a:endParaRPr>
-          </a:p>
-        </p:txBody>
-      </p:sp>
-      <p:sp>
-        <p:nvSpPr>
-          <p:cNvPr id="97" name="円/楕円 96"/>
-          <p:cNvSpPr/>
-          <p:nvPr/>
-        </p:nvSpPr>
-        <p:spPr>
-          <a:xfrm>
-            <a:off x="-2954466" y="175757"/>
-            <a:ext cx="2666276" cy="800315"/>
-          </a:xfrm>
-          <a:prstGeom prst="ellipse">
-            <a:avLst/>
-          </a:prstGeom>
-          <a:solidFill>
-            <a:schemeClr val="accent1">
-              <a:lumMod val="20000"/>
-              <a:lumOff val="80000"/>
-            </a:schemeClr>
-          </a:solidFill>
-          <a:ln w="0">
-            <a:noFill/>
-          </a:ln>
-          <a:effectLst>
-            <a:glow rad="25400">
-              <a:schemeClr val="accent5">
-                <a:satMod val="175000"/>
-                <a:alpha val="40000"/>
-              </a:schemeClr>
-            </a:glow>
-            <a:outerShdw blurRad="139700" dist="177800" dir="1800000" algn="bl" rotWithShape="0">
-              <a:prstClr val="black">
-                <a:alpha val="28000"/>
-              </a:prstClr>
-            </a:outerShdw>
-          </a:effectLst>
-          <a:scene3d>
-            <a:camera prst="orthographicFront"/>
-            <a:lightRig rig="threePt" dir="t">
-              <a:rot lat="0" lon="0" rev="0"/>
-            </a:lightRig>
-          </a:scene3d>
-          <a:sp3d prstMaterial="plastic">
-            <a:bevelT w="190500" h="260350"/>
-            <a:bevelB w="0" h="0"/>
-          </a:sp3d>
-        </p:spPr>
-        <p:style>
-          <a:lnRef idx="2">
-            <a:schemeClr val="accent1">
-              <a:shade val="50000"/>
-            </a:schemeClr>
-          </a:lnRef>
-          <a:fillRef idx="1">
-            <a:schemeClr val="accent1"/>
-          </a:fillRef>
-          <a:effectRef idx="0">
-            <a:schemeClr val="accent1"/>
-          </a:effectRef>
-          <a:fontRef idx="minor">
-            <a:schemeClr val="lt1"/>
-          </a:fontRef>
-        </p:style>
-        <p:txBody>
-          <a:bodyPr wrap="square" lIns="91429" tIns="45715" rIns="91429" bIns="45715" rtlCol="0" anchor="t"/>
-          <a:lstStyle>
-            <a:lvl1pPr marL="0" indent="0">
-              <a:defRPr sz="1100">
-                <a:solidFill>
-                  <a:schemeClr val="lt1"/>
-                </a:solidFill>
-                <a:latin typeface="+mn-lt"/>
-                <a:ea typeface="+mn-ea"/>
-                <a:cs typeface="+mn-cs"/>
-              </a:defRPr>
-            </a:lvl1pPr>
-            <a:lvl2pPr marL="457200" indent="0">
-              <a:defRPr sz="1100">
-                <a:solidFill>
-                  <a:schemeClr val="lt1"/>
-                </a:solidFill>
-                <a:latin typeface="+mn-lt"/>
-                <a:ea typeface="+mn-ea"/>
-                <a:cs typeface="+mn-cs"/>
-              </a:defRPr>
-            </a:lvl2pPr>
-            <a:lvl3pPr marL="914400" indent="0">
-              <a:defRPr sz="1100">
-                <a:solidFill>
-                  <a:schemeClr val="lt1"/>
-                </a:solidFill>
-                <a:latin typeface="+mn-lt"/>
-                <a:ea typeface="+mn-ea"/>
-                <a:cs typeface="+mn-cs"/>
-              </a:defRPr>
-            </a:lvl3pPr>
-            <a:lvl4pPr marL="1371600" indent="0">
-              <a:defRPr sz="1100">
-                <a:solidFill>
-                  <a:schemeClr val="lt1"/>
-                </a:solidFill>
-                <a:latin typeface="+mn-lt"/>
-                <a:ea typeface="+mn-ea"/>
-                <a:cs typeface="+mn-cs"/>
-              </a:defRPr>
-            </a:lvl4pPr>
-            <a:lvl5pPr marL="1828800" indent="0">
-              <a:defRPr sz="1100">
-                <a:solidFill>
-                  <a:schemeClr val="lt1"/>
-                </a:solidFill>
-                <a:latin typeface="+mn-lt"/>
-                <a:ea typeface="+mn-ea"/>
-                <a:cs typeface="+mn-cs"/>
-              </a:defRPr>
-            </a:lvl5pPr>
-            <a:lvl6pPr marL="2286000" indent="0">
-              <a:defRPr sz="1100">
-                <a:solidFill>
-                  <a:schemeClr val="lt1"/>
-                </a:solidFill>
-                <a:latin typeface="+mn-lt"/>
-                <a:ea typeface="+mn-ea"/>
-                <a:cs typeface="+mn-cs"/>
-              </a:defRPr>
-            </a:lvl6pPr>
-            <a:lvl7pPr marL="2743200" indent="0">
-              <a:defRPr sz="1100">
-                <a:solidFill>
-                  <a:schemeClr val="lt1"/>
-                </a:solidFill>
-                <a:latin typeface="+mn-lt"/>
-                <a:ea typeface="+mn-ea"/>
-                <a:cs typeface="+mn-cs"/>
-              </a:defRPr>
-            </a:lvl7pPr>
-            <a:lvl8pPr marL="3200400" indent="0">
-              <a:defRPr sz="1100">
-                <a:solidFill>
-                  <a:schemeClr val="lt1"/>
-                </a:solidFill>
-                <a:latin typeface="+mn-lt"/>
-                <a:ea typeface="+mn-ea"/>
-                <a:cs typeface="+mn-cs"/>
-              </a:defRPr>
-            </a:lvl8pPr>
-            <a:lvl9pPr marL="3657600" indent="0">
-              <a:defRPr sz="1100">
-                <a:solidFill>
-                  <a:schemeClr val="lt1"/>
-                </a:solidFill>
-                <a:latin typeface="+mn-lt"/>
-                <a:ea typeface="+mn-ea"/>
-                <a:cs typeface="+mn-cs"/>
-              </a:defRPr>
-            </a:lvl9pPr>
-          </a:lstStyle>
-          <a:p>
-            <a:pPr algn="ctr"/>
-            <a:r>
-              <a:rPr lang="ja-JP" altLang="en-US" sz="1050" b="1" dirty="0" smtClean="0">
-                <a:solidFill>
-                  <a:schemeClr val="tx1"/>
-                </a:solidFill>
-                <a:ea typeface="AR P丸ゴシック体M"/>
-              </a:rPr>
-              <a:t>■法令・制度</a:t>
-            </a:r>
-            <a:endParaRPr lang="en-US" altLang="ja-JP" sz="1050" b="1" dirty="0" smtClean="0">
-              <a:solidFill>
-                <a:schemeClr val="tx1"/>
-              </a:solidFill>
-              <a:ea typeface="AR P丸ゴシック体M"/>
-            </a:endParaRPr>
-          </a:p>
-          <a:p>
-            <a:pPr algn="ctr"/>
-            <a:r>
-              <a:rPr lang="ja-JP" altLang="en-US" sz="1050" b="1" dirty="0" smtClean="0">
-                <a:solidFill>
-                  <a:schemeClr val="tx1"/>
-                </a:solidFill>
-                <a:ea typeface="AR P丸ゴシック体M"/>
-              </a:rPr>
-              <a:t>・サイバーセキュリティ基本法</a:t>
-            </a:r>
-            <a:endParaRPr lang="en-US" altLang="ja-JP" sz="1050" b="1" dirty="0" smtClean="0">
-              <a:solidFill>
-                <a:schemeClr val="tx1"/>
-              </a:solidFill>
-              <a:ea typeface="AR P丸ゴシック体M"/>
-            </a:endParaRPr>
-          </a:p>
-          <a:p>
-            <a:pPr algn="l"/>
-            <a:r>
-              <a:rPr lang="ja-JP" altLang="en-US" sz="1050" b="1" dirty="0" smtClean="0">
-                <a:solidFill>
-                  <a:schemeClr val="tx1"/>
-                </a:solidFill>
-                <a:ea typeface="AR P丸ゴシック体M"/>
-              </a:rPr>
-              <a:t>・サイバーセキュリティ戦略</a:t>
-            </a:r>
-            <a:endParaRPr lang="en-US" altLang="ja-JP" sz="1050" b="1" dirty="0" smtClean="0">
-              <a:solidFill>
-                <a:schemeClr val="tx1"/>
-              </a:solidFill>
-              <a:ea typeface="AR P丸ゴシック体M"/>
-            </a:endParaRPr>
-          </a:p>
-          <a:p>
-            <a:pPr algn="l"/>
-            <a:endParaRPr lang="ja-JP" altLang="en-US" sz="1200" b="1" dirty="0">
-              <a:solidFill>
-                <a:schemeClr val="tx1"/>
-              </a:solidFill>
-              <a:ea typeface="AR P丸ゴシック体M"/>
             </a:endParaRPr>
           </a:p>
         </p:txBody>
